--- a/sources/gestion-contacts.pptx
+++ b/sources/gestion-contacts.pptx
@@ -6,6 +6,7 @@
   </p:sldMasterIdLst>
   <p:sldIdLst>
     <p:sldId id="256" r:id="rId2"/>
+    <p:sldId id="257" r:id="rId3"/>
   </p:sldIdLst>
   <p:sldSz cx="9144000" cy="6858000" type="screen4x3"/>
   <p:notesSz cx="6858000" cy="9144000"/>
@@ -288,7 +289,7 @@
           <a:p>
             <a:fld id="{B291CC90-6A5E-42A6-A85D-C053A89E9A68}" type="datetimeFigureOut">
               <a:rPr lang="fr-FR" smtClean="0"/>
-              <a:t>05/07/2018</a:t>
+              <a:t>14/09/2018</a:t>
             </a:fld>
             <a:endParaRPr lang="fr-FR"/>
           </a:p>
@@ -458,7 +459,7 @@
           <a:p>
             <a:fld id="{B291CC90-6A5E-42A6-A85D-C053A89E9A68}" type="datetimeFigureOut">
               <a:rPr lang="fr-FR" smtClean="0"/>
-              <a:t>05/07/2018</a:t>
+              <a:t>14/09/2018</a:t>
             </a:fld>
             <a:endParaRPr lang="fr-FR"/>
           </a:p>
@@ -638,7 +639,7 @@
           <a:p>
             <a:fld id="{B291CC90-6A5E-42A6-A85D-C053A89E9A68}" type="datetimeFigureOut">
               <a:rPr lang="fr-FR" smtClean="0"/>
-              <a:t>05/07/2018</a:t>
+              <a:t>14/09/2018</a:t>
             </a:fld>
             <a:endParaRPr lang="fr-FR"/>
           </a:p>
@@ -808,7 +809,7 @@
           <a:p>
             <a:fld id="{B291CC90-6A5E-42A6-A85D-C053A89E9A68}" type="datetimeFigureOut">
               <a:rPr lang="fr-FR" smtClean="0"/>
-              <a:t>05/07/2018</a:t>
+              <a:t>14/09/2018</a:t>
             </a:fld>
             <a:endParaRPr lang="fr-FR"/>
           </a:p>
@@ -1054,7 +1055,7 @@
           <a:p>
             <a:fld id="{B291CC90-6A5E-42A6-A85D-C053A89E9A68}" type="datetimeFigureOut">
               <a:rPr lang="fr-FR" smtClean="0"/>
-              <a:t>05/07/2018</a:t>
+              <a:t>14/09/2018</a:t>
             </a:fld>
             <a:endParaRPr lang="fr-FR"/>
           </a:p>
@@ -1342,7 +1343,7 @@
           <a:p>
             <a:fld id="{B291CC90-6A5E-42A6-A85D-C053A89E9A68}" type="datetimeFigureOut">
               <a:rPr lang="fr-FR" smtClean="0"/>
-              <a:t>05/07/2018</a:t>
+              <a:t>14/09/2018</a:t>
             </a:fld>
             <a:endParaRPr lang="fr-FR"/>
           </a:p>
@@ -1764,7 +1765,7 @@
           <a:p>
             <a:fld id="{B291CC90-6A5E-42A6-A85D-C053A89E9A68}" type="datetimeFigureOut">
               <a:rPr lang="fr-FR" smtClean="0"/>
-              <a:t>05/07/2018</a:t>
+              <a:t>14/09/2018</a:t>
             </a:fld>
             <a:endParaRPr lang="fr-FR"/>
           </a:p>
@@ -1882,7 +1883,7 @@
           <a:p>
             <a:fld id="{B291CC90-6A5E-42A6-A85D-C053A89E9A68}" type="datetimeFigureOut">
               <a:rPr lang="fr-FR" smtClean="0"/>
-              <a:t>05/07/2018</a:t>
+              <a:t>14/09/2018</a:t>
             </a:fld>
             <a:endParaRPr lang="fr-FR"/>
           </a:p>
@@ -1977,7 +1978,7 @@
           <a:p>
             <a:fld id="{B291CC90-6A5E-42A6-A85D-C053A89E9A68}" type="datetimeFigureOut">
               <a:rPr lang="fr-FR" smtClean="0"/>
-              <a:t>05/07/2018</a:t>
+              <a:t>14/09/2018</a:t>
             </a:fld>
             <a:endParaRPr lang="fr-FR"/>
           </a:p>
@@ -2254,7 +2255,7 @@
           <a:p>
             <a:fld id="{B291CC90-6A5E-42A6-A85D-C053A89E9A68}" type="datetimeFigureOut">
               <a:rPr lang="fr-FR" smtClean="0"/>
-              <a:t>05/07/2018</a:t>
+              <a:t>14/09/2018</a:t>
             </a:fld>
             <a:endParaRPr lang="fr-FR"/>
           </a:p>
@@ -2507,7 +2508,7 @@
           <a:p>
             <a:fld id="{B291CC90-6A5E-42A6-A85D-C053A89E9A68}" type="datetimeFigureOut">
               <a:rPr lang="fr-FR" smtClean="0"/>
-              <a:t>05/07/2018</a:t>
+              <a:t>14/09/2018</a:t>
             </a:fld>
             <a:endParaRPr lang="fr-FR"/>
           </a:p>
@@ -2720,7 +2721,7 @@
           <a:p>
             <a:fld id="{B291CC90-6A5E-42A6-A85D-C053A89E9A68}" type="datetimeFigureOut">
               <a:rPr lang="fr-FR" smtClean="0"/>
-              <a:t>05/07/2018</a:t>
+              <a:t>14/09/2018</a:t>
             </a:fld>
             <a:endParaRPr lang="fr-FR"/>
           </a:p>
@@ -3097,28 +3098,89 @@
       </p:grpSpPr>
       <p:sp>
         <p:nvSpPr>
-          <p:cNvPr id="4" name="ZoneTexte 3"/>
+          <p:cNvPr id="10" name="ZoneTexte 9"/>
           <p:cNvSpPr txBox="1"/>
           <p:nvPr/>
         </p:nvSpPr>
         <p:spPr>
           <a:xfrm>
-            <a:off x="2360171" y="3208427"/>
-            <a:ext cx="1138452" cy="707886"/>
+            <a:off x="4079038" y="3238382"/>
+            <a:ext cx="317716" cy="215444"/>
           </a:xfrm>
           <a:prstGeom prst="rect">
             <a:avLst/>
           </a:prstGeom>
+          <a:noFill/>
+        </p:spPr>
+        <p:txBody>
+          <a:bodyPr wrap="none" rtlCol="0">
+            <a:spAutoFit/>
+          </a:bodyPr>
+          <a:lstStyle/>
+          <a:p>
+            <a:r>
+              <a:rPr lang="fr-FR" sz="800" dirty="0" smtClean="0"/>
+              <a:t>oui</a:t>
+            </a:r>
+            <a:endParaRPr lang="fr-FR" sz="800" dirty="0"/>
+          </a:p>
+        </p:txBody>
+      </p:sp>
+      <p:sp>
+        <p:nvSpPr>
+          <p:cNvPr id="11" name="ZoneTexte 10"/>
+          <p:cNvSpPr txBox="1"/>
+          <p:nvPr/>
+        </p:nvSpPr>
+        <p:spPr>
+          <a:xfrm>
+            <a:off x="3378216" y="3787602"/>
+            <a:ext cx="348172" cy="215444"/>
+          </a:xfrm>
+          <a:prstGeom prst="rect">
+            <a:avLst/>
+          </a:prstGeom>
+          <a:noFill/>
+        </p:spPr>
+        <p:txBody>
+          <a:bodyPr wrap="none" rtlCol="0">
+            <a:spAutoFit/>
+          </a:bodyPr>
+          <a:lstStyle/>
+          <a:p>
+            <a:r>
+              <a:rPr lang="fr-FR" sz="800" dirty="0" smtClean="0"/>
+              <a:t>non</a:t>
+            </a:r>
+            <a:endParaRPr lang="fr-FR" sz="800" dirty="0"/>
+          </a:p>
+        </p:txBody>
+      </p:sp>
+      <p:sp>
+        <p:nvSpPr>
+          <p:cNvPr id="25" name="ZoneTexte 24"/>
+          <p:cNvSpPr txBox="1"/>
+          <p:nvPr/>
+        </p:nvSpPr>
+        <p:spPr>
+          <a:xfrm>
+            <a:off x="3030674" y="5943280"/>
+            <a:ext cx="1366080" cy="215444"/>
+          </a:xfrm>
+          <a:prstGeom prst="rect">
+            <a:avLst/>
+          </a:prstGeom>
+          <a:ln w="12700"/>
         </p:spPr>
         <p:style>
-          <a:lnRef idx="1">
-            <a:schemeClr val="accent3"/>
+          <a:lnRef idx="2">
+            <a:schemeClr val="accent5"/>
           </a:lnRef>
-          <a:fillRef idx="2">
-            <a:schemeClr val="accent3"/>
+          <a:fillRef idx="1">
+            <a:schemeClr val="lt1"/>
           </a:fillRef>
-          <a:effectRef idx="1">
-            <a:schemeClr val="accent3"/>
+          <a:effectRef idx="0">
+            <a:schemeClr val="accent5"/>
           </a:effectRef>
           <a:fontRef idx="minor">
             <a:schemeClr val="dk1"/>
@@ -3132,48 +3194,111 @@
           <a:p>
             <a:pPr algn="ctr"/>
             <a:r>
-              <a:rPr lang="fr-FR" sz="1000" dirty="0" smtClean="0"/>
-              <a:t>Le joueur est-il en</a:t>
-            </a:r>
-          </a:p>
+              <a:rPr lang="fr-FR" sz="800" dirty="0" smtClean="0"/>
+              <a:t>Calcule déplacement voulu</a:t>
+            </a:r>
+          </a:p>
+        </p:txBody>
+      </p:sp>
+      <p:sp>
+        <p:nvSpPr>
+          <p:cNvPr id="28" name="ZoneTexte 27"/>
+          <p:cNvSpPr txBox="1"/>
+          <p:nvPr/>
+        </p:nvSpPr>
+        <p:spPr>
+          <a:xfrm>
+            <a:off x="4793022" y="3332626"/>
+            <a:ext cx="649537" cy="215444"/>
+          </a:xfrm>
+          <a:prstGeom prst="rect">
+            <a:avLst/>
+          </a:prstGeom>
+        </p:spPr>
+        <p:style>
+          <a:lnRef idx="2">
+            <a:schemeClr val="accent5"/>
+          </a:lnRef>
+          <a:fillRef idx="1">
+            <a:schemeClr val="lt1"/>
+          </a:fillRef>
+          <a:effectRef idx="0">
+            <a:schemeClr val="accent5"/>
+          </a:effectRef>
+          <a:fontRef idx="minor">
+            <a:schemeClr val="dk1"/>
+          </a:fontRef>
+        </p:style>
+        <p:txBody>
+          <a:bodyPr wrap="none" rtlCol="0">
+            <a:spAutoFit/>
+          </a:bodyPr>
+          <a:lstStyle/>
           <a:p>
             <a:pPr algn="ctr"/>
             <a:r>
-              <a:rPr lang="fr-FR" sz="1000" dirty="0" smtClean="0"/>
-              <a:t>contact avec le sol</a:t>
-            </a:r>
-          </a:p>
+              <a:rPr lang="fr-FR" sz="800" dirty="0" smtClean="0"/>
+              <a:t>Calcule sol </a:t>
+            </a:r>
+          </a:p>
+        </p:txBody>
+      </p:sp>
+      <p:sp>
+        <p:nvSpPr>
+          <p:cNvPr id="12" name="ZoneTexte 11"/>
+          <p:cNvSpPr txBox="1"/>
+          <p:nvPr/>
+        </p:nvSpPr>
+        <p:spPr>
+          <a:xfrm>
+            <a:off x="1434232" y="2380105"/>
+            <a:ext cx="1064715" cy="215444"/>
+          </a:xfrm>
+          <a:prstGeom prst="rect">
+            <a:avLst/>
+          </a:prstGeom>
+        </p:spPr>
+        <p:style>
+          <a:lnRef idx="2">
+            <a:schemeClr val="accent5"/>
+          </a:lnRef>
+          <a:fillRef idx="1">
+            <a:schemeClr val="lt1"/>
+          </a:fillRef>
+          <a:effectRef idx="0">
+            <a:schemeClr val="accent5"/>
+          </a:effectRef>
+          <a:fontRef idx="minor">
+            <a:schemeClr val="dk1"/>
+          </a:fontRef>
+        </p:style>
+        <p:txBody>
+          <a:bodyPr wrap="none" rtlCol="0">
+            <a:spAutoFit/>
+          </a:bodyPr>
+          <a:lstStyle/>
           <a:p>
             <a:pPr algn="ctr"/>
             <a:r>
-              <a:rPr lang="fr-FR" sz="1000" b="1" dirty="0" err="1" smtClean="0"/>
-              <a:t>PenteSolAvant</a:t>
-            </a:r>
-            <a:endParaRPr lang="fr-FR" sz="1000" b="1" dirty="0" smtClean="0"/>
-          </a:p>
-          <a:p>
-            <a:pPr algn="ctr"/>
-            <a:r>
-              <a:rPr lang="fr-FR" sz="1000" b="1" dirty="0" err="1" smtClean="0"/>
-              <a:t>MatériauSol</a:t>
-            </a:r>
-            <a:endParaRPr lang="fr-FR" sz="1000" b="1" dirty="0"/>
+              <a:rPr lang="fr-FR" sz="800" dirty="0" smtClean="0"/>
+              <a:t>Contact avec triangle</a:t>
+            </a:r>
           </a:p>
         </p:txBody>
       </p:sp>
       <p:cxnSp>
         <p:nvCxnSpPr>
-          <p:cNvPr id="6" name="Connecteur droit avec flèche 5"/>
+          <p:cNvPr id="16" name="Connecteur droit avec flèche 15"/>
           <p:cNvCxnSpPr>
-            <a:stCxn id="12" idx="2"/>
-            <a:endCxn id="4" idx="0"/>
+            <a:stCxn id="17" idx="2"/>
+            <a:endCxn id="12" idx="0"/>
           </p:cNvCxnSpPr>
           <p:nvPr/>
         </p:nvCxnSpPr>
         <p:spPr>
-          <a:xfrm flipH="1">
-            <a:off x="2929397" y="2201243"/>
-            <a:ext cx="1" cy="1007184"/>
+          <a:xfrm>
+            <a:off x="1966589" y="1948514"/>
+            <a:ext cx="1" cy="431591"/>
           </a:xfrm>
           <a:prstGeom prst="straightConnector1">
             <a:avLst/>
@@ -3184,13 +3309,13 @@
         </p:spPr>
         <p:style>
           <a:lnRef idx="1">
-            <a:schemeClr val="accent6"/>
+            <a:schemeClr val="accent1"/>
           </a:lnRef>
           <a:fillRef idx="0">
-            <a:schemeClr val="accent6"/>
+            <a:schemeClr val="accent1"/>
           </a:fillRef>
           <a:effectRef idx="0">
-            <a:schemeClr val="accent6"/>
+            <a:schemeClr val="accent1"/>
           </a:effectRef>
           <a:fontRef idx="minor">
             <a:schemeClr val="tx1"/>
@@ -3199,14 +3324,107 @@
       </p:cxnSp>
       <p:sp>
         <p:nvSpPr>
-          <p:cNvPr id="7" name="ZoneTexte 6"/>
+          <p:cNvPr id="17" name="ZoneTexte 16"/>
           <p:cNvSpPr txBox="1"/>
           <p:nvPr/>
         </p:nvSpPr>
         <p:spPr>
           <a:xfrm>
-            <a:off x="2929398" y="2705203"/>
-            <a:ext cx="939681" cy="400110"/>
+            <a:off x="1292366" y="1733070"/>
+            <a:ext cx="1348446" cy="215444"/>
+          </a:xfrm>
+          <a:prstGeom prst="rect">
+            <a:avLst/>
+          </a:prstGeom>
+        </p:spPr>
+        <p:style>
+          <a:lnRef idx="2">
+            <a:schemeClr val="accent5"/>
+          </a:lnRef>
+          <a:fillRef idx="1">
+            <a:schemeClr val="lt1"/>
+          </a:fillRef>
+          <a:effectRef idx="0">
+            <a:schemeClr val="accent5"/>
+          </a:effectRef>
+          <a:fontRef idx="minor">
+            <a:schemeClr val="dk1"/>
+          </a:fontRef>
+        </p:style>
+        <p:txBody>
+          <a:bodyPr wrap="none" rtlCol="0">
+            <a:spAutoFit/>
+          </a:bodyPr>
+          <a:lstStyle/>
+          <a:p>
+            <a:pPr algn="ctr"/>
+            <a:r>
+              <a:rPr lang="fr-FR" sz="800" dirty="0" smtClean="0"/>
+              <a:t>Proximité de quelque chose</a:t>
+            </a:r>
+          </a:p>
+        </p:txBody>
+      </p:sp>
+      <p:sp>
+        <p:nvSpPr>
+          <p:cNvPr id="31" name="ZoneTexte 30"/>
+          <p:cNvSpPr txBox="1"/>
+          <p:nvPr/>
+        </p:nvSpPr>
+        <p:spPr>
+          <a:xfrm>
+            <a:off x="4895725" y="2318550"/>
+            <a:ext cx="1072730" cy="338554"/>
+          </a:xfrm>
+          <a:prstGeom prst="rect">
+            <a:avLst/>
+          </a:prstGeom>
+        </p:spPr>
+        <p:style>
+          <a:lnRef idx="2">
+            <a:schemeClr val="accent5"/>
+          </a:lnRef>
+          <a:fillRef idx="1">
+            <a:schemeClr val="lt1"/>
+          </a:fillRef>
+          <a:effectRef idx="0">
+            <a:schemeClr val="accent5"/>
+          </a:effectRef>
+          <a:fontRef idx="minor">
+            <a:schemeClr val="dk1"/>
+          </a:fontRef>
+        </p:style>
+        <p:txBody>
+          <a:bodyPr wrap="none" rtlCol="0">
+            <a:spAutoFit/>
+          </a:bodyPr>
+          <a:lstStyle/>
+          <a:p>
+            <a:pPr algn="ctr"/>
+            <a:r>
+              <a:rPr lang="fr-FR" sz="800" dirty="0" smtClean="0"/>
+              <a:t>Calcule l’accélération</a:t>
+            </a:r>
+          </a:p>
+          <a:p>
+            <a:pPr algn="ctr"/>
+            <a:r>
+              <a:rPr lang="fr-FR" sz="800" dirty="0" smtClean="0"/>
+              <a:t>voulue (clavier, …)</a:t>
+            </a:r>
+          </a:p>
+        </p:txBody>
+      </p:sp>
+      <p:sp>
+        <p:nvSpPr>
+          <p:cNvPr id="32" name="ZoneTexte 31"/>
+          <p:cNvSpPr txBox="1"/>
+          <p:nvPr/>
+        </p:nvSpPr>
+        <p:spPr>
+          <a:xfrm>
+            <a:off x="4788213" y="2056587"/>
+            <a:ext cx="654346" cy="215444"/>
           </a:xfrm>
           <a:prstGeom prst="rect">
             <a:avLst/>
@@ -3220,38 +3438,27 @@
           <a:lstStyle/>
           <a:p>
             <a:r>
-              <a:rPr lang="fr-FR" sz="1000" u="sng" dirty="0" smtClean="0"/>
+              <a:rPr lang="fr-FR" sz="800" u="sng" dirty="0" smtClean="0"/>
               <a:t>:</a:t>
             </a:r>
             <a:r>
-              <a:rPr lang="fr-FR" sz="1000" u="sng" dirty="0" err="1" smtClean="0"/>
-              <a:t>PositionAvant</a:t>
-            </a:r>
-            <a:endParaRPr lang="fr-FR" sz="1000" u="sng" dirty="0" smtClean="0"/>
-          </a:p>
-          <a:p>
-            <a:r>
-              <a:rPr lang="fr-FR" sz="1000" u="sng" dirty="0" smtClean="0"/>
-              <a:t>:</a:t>
-            </a:r>
-            <a:r>
-              <a:rPr lang="fr-FR" sz="1000" u="sng" dirty="0" err="1" smtClean="0"/>
-              <a:t>VitesseAvant</a:t>
-            </a:r>
-            <a:endParaRPr lang="fr-FR" sz="1000" u="sng" dirty="0"/>
-          </a:p>
-        </p:txBody>
-      </p:sp>
-      <p:sp>
-        <p:nvSpPr>
-          <p:cNvPr id="10" name="ZoneTexte 9"/>
+              <a:rPr lang="fr-FR" sz="800" u="sng" dirty="0" err="1" smtClean="0"/>
+              <a:t>AccVoulue</a:t>
+            </a:r>
+            <a:endParaRPr lang="fr-FR" sz="800" u="sng" dirty="0" smtClean="0"/>
+          </a:p>
+        </p:txBody>
+      </p:sp>
+      <p:sp>
+        <p:nvSpPr>
+          <p:cNvPr id="38" name="ZoneTexte 37"/>
           <p:cNvSpPr txBox="1"/>
           <p:nvPr/>
         </p:nvSpPr>
         <p:spPr>
           <a:xfrm>
-            <a:off x="3599598" y="3554682"/>
-            <a:ext cx="348172" cy="246221"/>
+            <a:off x="5117791" y="3560398"/>
+            <a:ext cx="723275" cy="461665"/>
           </a:xfrm>
           <a:prstGeom prst="rect">
             <a:avLst/>
@@ -3265,23 +3472,249 @@
           <a:lstStyle/>
           <a:p>
             <a:r>
-              <a:rPr lang="fr-FR" sz="1000" dirty="0" smtClean="0"/>
-              <a:t>oui</a:t>
-            </a:r>
-            <a:endParaRPr lang="fr-FR" sz="1000" dirty="0"/>
-          </a:p>
-        </p:txBody>
-      </p:sp>
-      <p:sp>
-        <p:nvSpPr>
-          <p:cNvPr id="11" name="ZoneTexte 10"/>
+              <a:rPr lang="fr-FR" sz="800" u="sng" dirty="0" smtClean="0"/>
+              <a:t>:</a:t>
+            </a:r>
+            <a:r>
+              <a:rPr lang="fr-FR" sz="800" u="sng" dirty="0" err="1" smtClean="0"/>
+              <a:t>AccSol</a:t>
+            </a:r>
+            <a:endParaRPr lang="fr-FR" sz="800" u="sng" dirty="0" smtClean="0"/>
+          </a:p>
+          <a:p>
+            <a:r>
+              <a:rPr lang="fr-FR" sz="800" u="sng" dirty="0" smtClean="0"/>
+              <a:t>:</a:t>
+            </a:r>
+            <a:r>
+              <a:rPr lang="fr-FR" sz="800" u="sng" dirty="0" err="1" smtClean="0"/>
+              <a:t>PenteSol</a:t>
+            </a:r>
+            <a:endParaRPr lang="fr-FR" sz="800" u="sng" dirty="0" smtClean="0"/>
+          </a:p>
+          <a:p>
+            <a:r>
+              <a:rPr lang="fr-FR" sz="800" u="sng" dirty="0" smtClean="0"/>
+              <a:t>:</a:t>
+            </a:r>
+            <a:r>
+              <a:rPr lang="fr-FR" sz="800" u="sng" dirty="0" err="1" smtClean="0"/>
+              <a:t>MateriauSol</a:t>
+            </a:r>
+            <a:endParaRPr lang="fr-FR" sz="800" u="sng" dirty="0" smtClean="0"/>
+          </a:p>
+        </p:txBody>
+      </p:sp>
+      <p:cxnSp>
+        <p:nvCxnSpPr>
+          <p:cNvPr id="41" name="Connecteur droit avec flèche 40"/>
+          <p:cNvCxnSpPr>
+            <a:stCxn id="25" idx="2"/>
+          </p:cNvCxnSpPr>
+          <p:nvPr/>
+        </p:nvCxnSpPr>
+        <p:spPr>
+          <a:xfrm>
+            <a:off x="3713714" y="6158724"/>
+            <a:ext cx="0" cy="373452"/>
+          </a:xfrm>
+          <a:prstGeom prst="straightConnector1">
+            <a:avLst/>
+          </a:prstGeom>
+          <a:ln>
+            <a:tailEnd type="arrow"/>
+          </a:ln>
+        </p:spPr>
+        <p:style>
+          <a:lnRef idx="1">
+            <a:schemeClr val="accent1"/>
+          </a:lnRef>
+          <a:fillRef idx="0">
+            <a:schemeClr val="accent1"/>
+          </a:fillRef>
+          <a:effectRef idx="0">
+            <a:schemeClr val="accent1"/>
+          </a:effectRef>
+          <a:fontRef idx="minor">
+            <a:schemeClr val="tx1"/>
+          </a:fontRef>
+        </p:style>
+      </p:cxnSp>
+      <p:sp>
+        <p:nvSpPr>
+          <p:cNvPr id="50" name="ZoneTexte 49"/>
           <p:cNvSpPr txBox="1"/>
           <p:nvPr/>
         </p:nvSpPr>
         <p:spPr>
           <a:xfrm>
-            <a:off x="1898949" y="3516204"/>
-            <a:ext cx="386644" cy="246221"/>
+            <a:off x="3162121" y="4646733"/>
+            <a:ext cx="1103187" cy="215444"/>
+          </a:xfrm>
+          <a:prstGeom prst="rect">
+            <a:avLst/>
+          </a:prstGeom>
+        </p:spPr>
+        <p:style>
+          <a:lnRef idx="2">
+            <a:schemeClr val="accent5"/>
+          </a:lnRef>
+          <a:fillRef idx="1">
+            <a:schemeClr val="lt1"/>
+          </a:fillRef>
+          <a:effectRef idx="0">
+            <a:schemeClr val="accent5"/>
+          </a:effectRef>
+          <a:fontRef idx="minor">
+            <a:schemeClr val="dk1"/>
+          </a:fontRef>
+        </p:style>
+        <p:txBody>
+          <a:bodyPr wrap="none" rtlCol="0">
+            <a:spAutoFit/>
+          </a:bodyPr>
+          <a:lstStyle/>
+          <a:p>
+            <a:pPr algn="ctr"/>
+            <a:r>
+              <a:rPr lang="fr-FR" sz="800" dirty="0" smtClean="0"/>
+              <a:t>Calcule vitesse voulue</a:t>
+            </a:r>
+          </a:p>
+        </p:txBody>
+      </p:sp>
+      <p:cxnSp>
+        <p:nvCxnSpPr>
+          <p:cNvPr id="54" name="Connecteur droit avec flèche 53"/>
+          <p:cNvCxnSpPr>
+            <a:stCxn id="50" idx="2"/>
+            <a:endCxn id="55" idx="0"/>
+          </p:cNvCxnSpPr>
+          <p:nvPr/>
+        </p:nvCxnSpPr>
+        <p:spPr>
+          <a:xfrm flipH="1">
+            <a:off x="3713714" y="4862177"/>
+            <a:ext cx="1" cy="381929"/>
+          </a:xfrm>
+          <a:prstGeom prst="straightConnector1">
+            <a:avLst/>
+          </a:prstGeom>
+          <a:ln>
+            <a:tailEnd type="arrow"/>
+          </a:ln>
+        </p:spPr>
+        <p:style>
+          <a:lnRef idx="1">
+            <a:schemeClr val="accent1"/>
+          </a:lnRef>
+          <a:fillRef idx="0">
+            <a:schemeClr val="accent1"/>
+          </a:fillRef>
+          <a:effectRef idx="0">
+            <a:schemeClr val="accent1"/>
+          </a:effectRef>
+          <a:fontRef idx="minor">
+            <a:schemeClr val="tx1"/>
+          </a:fontRef>
+        </p:style>
+      </p:cxnSp>
+      <p:sp>
+        <p:nvSpPr>
+          <p:cNvPr id="55" name="ZoneTexte 54"/>
+          <p:cNvSpPr txBox="1"/>
+          <p:nvPr/>
+        </p:nvSpPr>
+        <p:spPr>
+          <a:xfrm>
+            <a:off x="3057926" y="5244106"/>
+            <a:ext cx="1311576" cy="338554"/>
+          </a:xfrm>
+          <a:prstGeom prst="rect">
+            <a:avLst/>
+          </a:prstGeom>
+        </p:spPr>
+        <p:style>
+          <a:lnRef idx="2">
+            <a:schemeClr val="accent5"/>
+          </a:lnRef>
+          <a:fillRef idx="1">
+            <a:schemeClr val="lt1"/>
+          </a:fillRef>
+          <a:effectRef idx="0">
+            <a:schemeClr val="accent5"/>
+          </a:effectRef>
+          <a:fontRef idx="minor">
+            <a:schemeClr val="dk1"/>
+          </a:fontRef>
+        </p:style>
+        <p:txBody>
+          <a:bodyPr wrap="none" rtlCol="0">
+            <a:spAutoFit/>
+          </a:bodyPr>
+          <a:lstStyle/>
+          <a:p>
+            <a:pPr algn="ctr"/>
+            <a:r>
+              <a:rPr lang="fr-FR" sz="800" dirty="0" smtClean="0"/>
+              <a:t>Limite la vitesse du joueur</a:t>
+            </a:r>
+          </a:p>
+          <a:p>
+            <a:pPr algn="ctr"/>
+            <a:r>
+              <a:rPr lang="fr-FR" sz="800" dirty="0" smtClean="0"/>
+              <a:t>(sol, eau, …)</a:t>
+            </a:r>
+          </a:p>
+        </p:txBody>
+      </p:sp>
+      <p:cxnSp>
+        <p:nvCxnSpPr>
+          <p:cNvPr id="58" name="Connecteur droit avec flèche 57"/>
+          <p:cNvCxnSpPr>
+            <a:stCxn id="55" idx="2"/>
+            <a:endCxn id="25" idx="0"/>
+          </p:cNvCxnSpPr>
+          <p:nvPr/>
+        </p:nvCxnSpPr>
+        <p:spPr>
+          <a:xfrm>
+            <a:off x="3713714" y="5582660"/>
+            <a:ext cx="0" cy="360620"/>
+          </a:xfrm>
+          <a:prstGeom prst="straightConnector1">
+            <a:avLst/>
+          </a:prstGeom>
+          <a:ln>
+            <a:tailEnd type="arrow"/>
+          </a:ln>
+        </p:spPr>
+        <p:style>
+          <a:lnRef idx="1">
+            <a:schemeClr val="accent1"/>
+          </a:lnRef>
+          <a:fillRef idx="0">
+            <a:schemeClr val="accent1"/>
+          </a:fillRef>
+          <a:effectRef idx="0">
+            <a:schemeClr val="accent1"/>
+          </a:effectRef>
+          <a:fontRef idx="minor">
+            <a:schemeClr val="tx1"/>
+          </a:fontRef>
+        </p:style>
+      </p:cxnSp>
+      <p:sp>
+        <p:nvSpPr>
+          <p:cNvPr id="70" name="ZoneTexte 69"/>
+          <p:cNvSpPr txBox="1"/>
+          <p:nvPr/>
+        </p:nvSpPr>
+        <p:spPr>
+          <a:xfrm>
+            <a:off x="3736235" y="4862177"/>
+            <a:ext cx="1335622" cy="215444"/>
           </a:xfrm>
           <a:prstGeom prst="rect">
             <a:avLst/>
@@ -3294,26 +3727,528 @@
           </a:bodyPr>
           <a:lstStyle/>
           <a:p>
-            <a:r>
-              <a:rPr lang="fr-FR" sz="1000" dirty="0" smtClean="0"/>
-              <a:t>non</a:t>
-            </a:r>
-            <a:endParaRPr lang="fr-FR" sz="1000" dirty="0"/>
+            <a:pPr algn="ctr"/>
+            <a:r>
+              <a:rPr lang="fr-FR" sz="800" dirty="0" smtClean="0"/>
+              <a:t>:</a:t>
+            </a:r>
+            <a:r>
+              <a:rPr lang="fr-FR" sz="800" dirty="0" err="1" smtClean="0"/>
+              <a:t>VitVoulue</a:t>
+            </a:r>
+            <a:r>
+              <a:rPr lang="fr-FR" sz="800" dirty="0" smtClean="0"/>
+              <a:t>=</a:t>
+            </a:r>
+            <a:r>
+              <a:rPr lang="fr-FR" sz="800" dirty="0" err="1" smtClean="0"/>
+              <a:t>VitAvant+Acc</a:t>
+            </a:r>
+            <a:r>
+              <a:rPr lang="fr-FR" sz="800" dirty="0" smtClean="0"/>
+              <a:t>*T</a:t>
+            </a:r>
+            <a:endParaRPr lang="fr-FR" sz="800" dirty="0"/>
+          </a:p>
+        </p:txBody>
+      </p:sp>
+      <p:sp>
+        <p:nvSpPr>
+          <p:cNvPr id="71" name="ZoneTexte 70"/>
+          <p:cNvSpPr txBox="1"/>
+          <p:nvPr/>
+        </p:nvSpPr>
+        <p:spPr>
+          <a:xfrm>
+            <a:off x="3743441" y="5655248"/>
+            <a:ext cx="623889" cy="215444"/>
+          </a:xfrm>
+          <a:prstGeom prst="rect">
+            <a:avLst/>
+          </a:prstGeom>
+          <a:noFill/>
+        </p:spPr>
+        <p:txBody>
+          <a:bodyPr wrap="none" rtlCol="0">
+            <a:spAutoFit/>
+          </a:bodyPr>
+          <a:lstStyle/>
+          <a:p>
+            <a:r>
+              <a:rPr lang="fr-FR" sz="800" u="sng" dirty="0" smtClean="0"/>
+              <a:t>:</a:t>
+            </a:r>
+            <a:r>
+              <a:rPr lang="fr-FR" sz="800" u="sng" dirty="0" err="1" smtClean="0"/>
+              <a:t>VitVoulue</a:t>
+            </a:r>
+            <a:endParaRPr lang="fr-FR" sz="800" u="sng" dirty="0"/>
+          </a:p>
+        </p:txBody>
+      </p:sp>
+      <p:sp>
+        <p:nvSpPr>
+          <p:cNvPr id="72" name="ZoneTexte 71"/>
+          <p:cNvSpPr txBox="1"/>
+          <p:nvPr/>
+        </p:nvSpPr>
+        <p:spPr>
+          <a:xfrm>
+            <a:off x="4832407" y="1671515"/>
+            <a:ext cx="1199367" cy="338554"/>
+          </a:xfrm>
+          <a:prstGeom prst="rect">
+            <a:avLst/>
+          </a:prstGeom>
+        </p:spPr>
+        <p:style>
+          <a:lnRef idx="2">
+            <a:schemeClr val="accent5"/>
+          </a:lnRef>
+          <a:fillRef idx="1">
+            <a:schemeClr val="lt1"/>
+          </a:fillRef>
+          <a:effectRef idx="0">
+            <a:schemeClr val="accent5"/>
+          </a:effectRef>
+          <a:fontRef idx="minor">
+            <a:schemeClr val="dk1"/>
+          </a:fontRef>
+        </p:style>
+        <p:txBody>
+          <a:bodyPr wrap="none" rtlCol="0">
+            <a:spAutoFit/>
+          </a:bodyPr>
+          <a:lstStyle/>
+          <a:p>
+            <a:pPr algn="ctr"/>
+            <a:r>
+              <a:rPr lang="fr-FR" sz="800" dirty="0" smtClean="0"/>
+              <a:t>Ajoute la gravité</a:t>
+            </a:r>
+          </a:p>
+          <a:p>
+            <a:pPr algn="ctr"/>
+            <a:r>
+              <a:rPr lang="fr-FR" sz="800" dirty="0" smtClean="0"/>
+              <a:t>(le vent, les courants, …)</a:t>
+            </a:r>
           </a:p>
         </p:txBody>
       </p:sp>
       <p:cxnSp>
         <p:nvCxnSpPr>
-          <p:cNvPr id="13" name="Connecteur droit avec flèche 12"/>
+          <p:cNvPr id="74" name="Connecteur droit avec flèche 73"/>
           <p:cNvCxnSpPr>
-            <a:stCxn id="4" idx="1"/>
+            <a:stCxn id="72" idx="2"/>
+            <a:endCxn id="31" idx="0"/>
           </p:cNvCxnSpPr>
           <p:nvPr/>
         </p:nvCxnSpPr>
         <p:spPr>
           <a:xfrm flipH="1">
-            <a:off x="1747111" y="3562370"/>
-            <a:ext cx="613060" cy="1904"/>
+            <a:off x="5432090" y="2010069"/>
+            <a:ext cx="1" cy="308481"/>
+          </a:xfrm>
+          <a:prstGeom prst="straightConnector1">
+            <a:avLst/>
+          </a:prstGeom>
+          <a:ln>
+            <a:tailEnd type="arrow"/>
+          </a:ln>
+        </p:spPr>
+        <p:style>
+          <a:lnRef idx="1">
+            <a:schemeClr val="accent1"/>
+          </a:lnRef>
+          <a:fillRef idx="0">
+            <a:schemeClr val="accent1"/>
+          </a:fillRef>
+          <a:effectRef idx="0">
+            <a:schemeClr val="accent1"/>
+          </a:effectRef>
+          <a:fontRef idx="minor">
+            <a:schemeClr val="tx1"/>
+          </a:fontRef>
+        </p:style>
+      </p:cxnSp>
+      <p:sp>
+        <p:nvSpPr>
+          <p:cNvPr id="81" name="ZoneTexte 80"/>
+          <p:cNvSpPr txBox="1"/>
+          <p:nvPr/>
+        </p:nvSpPr>
+        <p:spPr>
+          <a:xfrm>
+            <a:off x="3712061" y="6240734"/>
+            <a:ext cx="1189749" cy="215444"/>
+          </a:xfrm>
+          <a:prstGeom prst="rect">
+            <a:avLst/>
+          </a:prstGeom>
+          <a:noFill/>
+        </p:spPr>
+        <p:txBody>
+          <a:bodyPr wrap="none" rtlCol="0">
+            <a:spAutoFit/>
+          </a:bodyPr>
+          <a:lstStyle/>
+          <a:p>
+            <a:pPr algn="ctr"/>
+            <a:r>
+              <a:rPr lang="fr-FR" sz="800" dirty="0" smtClean="0"/>
+              <a:t>:</a:t>
+            </a:r>
+            <a:r>
+              <a:rPr lang="fr-FR" sz="800" dirty="0" err="1" smtClean="0"/>
+              <a:t>DepVoulu</a:t>
+            </a:r>
+            <a:r>
+              <a:rPr lang="fr-FR" sz="800" dirty="0" smtClean="0"/>
+              <a:t>=</a:t>
+            </a:r>
+            <a:r>
+              <a:rPr lang="fr-FR" sz="800" dirty="0" err="1" smtClean="0"/>
+              <a:t>VitVoulue</a:t>
+            </a:r>
+            <a:r>
+              <a:rPr lang="fr-FR" sz="800" dirty="0" smtClean="0"/>
+              <a:t>*T</a:t>
+            </a:r>
+            <a:endParaRPr lang="fr-FR" sz="800" dirty="0"/>
+          </a:p>
+        </p:txBody>
+      </p:sp>
+      <p:sp>
+        <p:nvSpPr>
+          <p:cNvPr id="119" name="ZoneTexte 118"/>
+          <p:cNvSpPr txBox="1"/>
+          <p:nvPr/>
+        </p:nvSpPr>
+        <p:spPr>
+          <a:xfrm>
+            <a:off x="1960945" y="2046167"/>
+            <a:ext cx="806631" cy="215444"/>
+          </a:xfrm>
+          <a:prstGeom prst="rect">
+            <a:avLst/>
+          </a:prstGeom>
+          <a:noFill/>
+        </p:spPr>
+        <p:txBody>
+          <a:bodyPr wrap="none" rtlCol="0">
+            <a:spAutoFit/>
+          </a:bodyPr>
+          <a:lstStyle>
+            <a:defPPr>
+              <a:defRPr lang="fr-FR"/>
+            </a:defPPr>
+            <a:lvl1pPr>
+              <a:defRPr sz="800" u="sng">
+                <a:solidFill>
+                  <a:schemeClr val="tx1"/>
+                </a:solidFill>
+              </a:defRPr>
+            </a:lvl1pPr>
+            <a:lvl2pPr>
+              <a:defRPr>
+                <a:solidFill>
+                  <a:schemeClr val="tx1"/>
+                </a:solidFill>
+              </a:defRPr>
+            </a:lvl2pPr>
+            <a:lvl3pPr>
+              <a:defRPr>
+                <a:solidFill>
+                  <a:schemeClr val="tx1"/>
+                </a:solidFill>
+              </a:defRPr>
+            </a:lvl3pPr>
+            <a:lvl4pPr>
+              <a:defRPr>
+                <a:solidFill>
+                  <a:schemeClr val="tx1"/>
+                </a:solidFill>
+              </a:defRPr>
+            </a:lvl4pPr>
+            <a:lvl5pPr>
+              <a:defRPr>
+                <a:solidFill>
+                  <a:schemeClr val="tx1"/>
+                </a:solidFill>
+              </a:defRPr>
+            </a:lvl5pPr>
+            <a:lvl6pPr>
+              <a:defRPr>
+                <a:solidFill>
+                  <a:schemeClr val="tx1"/>
+                </a:solidFill>
+              </a:defRPr>
+            </a:lvl6pPr>
+            <a:lvl7pPr>
+              <a:defRPr>
+                <a:solidFill>
+                  <a:schemeClr val="tx1"/>
+                </a:solidFill>
+              </a:defRPr>
+            </a:lvl7pPr>
+            <a:lvl8pPr>
+              <a:defRPr>
+                <a:solidFill>
+                  <a:schemeClr val="tx1"/>
+                </a:solidFill>
+              </a:defRPr>
+            </a:lvl8pPr>
+            <a:lvl9pPr>
+              <a:defRPr>
+                <a:solidFill>
+                  <a:schemeClr val="tx1"/>
+                </a:solidFill>
+              </a:defRPr>
+            </a:lvl9pPr>
+          </a:lstStyle>
+          <a:p>
+            <a:r>
+              <a:rPr lang="fr-FR" dirty="0"/>
+              <a:t>:</a:t>
+            </a:r>
+            <a:r>
+              <a:rPr lang="fr-FR" dirty="0" err="1"/>
+              <a:t>ListeProximité</a:t>
+            </a:r>
+            <a:endParaRPr lang="fr-FR" dirty="0"/>
+          </a:p>
+        </p:txBody>
+      </p:sp>
+      <p:sp>
+        <p:nvSpPr>
+          <p:cNvPr id="120" name="ZoneTexte 119"/>
+          <p:cNvSpPr txBox="1"/>
+          <p:nvPr/>
+        </p:nvSpPr>
+        <p:spPr>
+          <a:xfrm>
+            <a:off x="2673846" y="2668247"/>
+            <a:ext cx="768159" cy="215444"/>
+          </a:xfrm>
+          <a:prstGeom prst="rect">
+            <a:avLst/>
+          </a:prstGeom>
+          <a:noFill/>
+        </p:spPr>
+        <p:txBody>
+          <a:bodyPr wrap="none" rtlCol="0">
+            <a:spAutoFit/>
+          </a:bodyPr>
+          <a:lstStyle>
+            <a:defPPr>
+              <a:defRPr lang="fr-FR"/>
+            </a:defPPr>
+            <a:lvl1pPr>
+              <a:defRPr sz="800" u="sng">
+                <a:solidFill>
+                  <a:schemeClr val="tx1"/>
+                </a:solidFill>
+              </a:defRPr>
+            </a:lvl1pPr>
+            <a:lvl2pPr>
+              <a:defRPr>
+                <a:solidFill>
+                  <a:schemeClr val="tx1"/>
+                </a:solidFill>
+              </a:defRPr>
+            </a:lvl2pPr>
+            <a:lvl3pPr>
+              <a:defRPr>
+                <a:solidFill>
+                  <a:schemeClr val="tx1"/>
+                </a:solidFill>
+              </a:defRPr>
+            </a:lvl3pPr>
+            <a:lvl4pPr>
+              <a:defRPr>
+                <a:solidFill>
+                  <a:schemeClr val="tx1"/>
+                </a:solidFill>
+              </a:defRPr>
+            </a:lvl4pPr>
+            <a:lvl5pPr>
+              <a:defRPr>
+                <a:solidFill>
+                  <a:schemeClr val="tx1"/>
+                </a:solidFill>
+              </a:defRPr>
+            </a:lvl5pPr>
+            <a:lvl6pPr>
+              <a:defRPr>
+                <a:solidFill>
+                  <a:schemeClr val="tx1"/>
+                </a:solidFill>
+              </a:defRPr>
+            </a:lvl6pPr>
+            <a:lvl7pPr>
+              <a:defRPr>
+                <a:solidFill>
+                  <a:schemeClr val="tx1"/>
+                </a:solidFill>
+              </a:defRPr>
+            </a:lvl7pPr>
+            <a:lvl8pPr>
+              <a:defRPr>
+                <a:solidFill>
+                  <a:schemeClr val="tx1"/>
+                </a:solidFill>
+              </a:defRPr>
+            </a:lvl8pPr>
+            <a:lvl9pPr>
+              <a:defRPr>
+                <a:solidFill>
+                  <a:schemeClr val="tx1"/>
+                </a:solidFill>
+              </a:defRPr>
+            </a:lvl9pPr>
+          </a:lstStyle>
+          <a:p>
+            <a:r>
+              <a:rPr lang="fr-FR" dirty="0"/>
+              <a:t>:</a:t>
+            </a:r>
+            <a:r>
+              <a:rPr lang="fr-FR" dirty="0" err="1"/>
+              <a:t>ListeContacts</a:t>
+            </a:r>
+            <a:endParaRPr lang="fr-FR" dirty="0"/>
+          </a:p>
+        </p:txBody>
+      </p:sp>
+      <p:cxnSp>
+        <p:nvCxnSpPr>
+          <p:cNvPr id="169" name="Connecteur droit avec flèche 168"/>
+          <p:cNvCxnSpPr>
+            <a:stCxn id="171" idx="2"/>
+            <a:endCxn id="17" idx="0"/>
+          </p:cNvCxnSpPr>
+          <p:nvPr/>
+        </p:nvCxnSpPr>
+        <p:spPr>
+          <a:xfrm>
+            <a:off x="1966588" y="1468328"/>
+            <a:ext cx="1" cy="264742"/>
+          </a:xfrm>
+          <a:prstGeom prst="straightConnector1">
+            <a:avLst/>
+          </a:prstGeom>
+          <a:ln>
+            <a:tailEnd type="arrow"/>
+          </a:ln>
+        </p:spPr>
+        <p:style>
+          <a:lnRef idx="1">
+            <a:schemeClr val="accent1"/>
+          </a:lnRef>
+          <a:fillRef idx="0">
+            <a:schemeClr val="accent1"/>
+          </a:fillRef>
+          <a:effectRef idx="0">
+            <a:schemeClr val="accent1"/>
+          </a:effectRef>
+          <a:fontRef idx="minor">
+            <a:schemeClr val="tx1"/>
+          </a:fontRef>
+        </p:style>
+      </p:cxnSp>
+      <p:sp>
+        <p:nvSpPr>
+          <p:cNvPr id="171" name="ZoneTexte 170"/>
+          <p:cNvSpPr txBox="1"/>
+          <p:nvPr/>
+        </p:nvSpPr>
+        <p:spPr>
+          <a:xfrm>
+            <a:off x="1665063" y="1129774"/>
+            <a:ext cx="603050" cy="338554"/>
+          </a:xfrm>
+          <a:prstGeom prst="rect">
+            <a:avLst/>
+          </a:prstGeom>
+          <a:noFill/>
+        </p:spPr>
+        <p:txBody>
+          <a:bodyPr wrap="none" rtlCol="0">
+            <a:spAutoFit/>
+          </a:bodyPr>
+          <a:lstStyle/>
+          <a:p>
+            <a:r>
+              <a:rPr lang="fr-FR" sz="800" u="sng" dirty="0" smtClean="0"/>
+              <a:t>:</a:t>
+            </a:r>
+            <a:r>
+              <a:rPr lang="fr-FR" sz="800" u="sng" dirty="0" err="1" smtClean="0"/>
+              <a:t>PosAvant</a:t>
+            </a:r>
+            <a:endParaRPr lang="fr-FR" sz="800" u="sng" dirty="0" smtClean="0"/>
+          </a:p>
+          <a:p>
+            <a:r>
+              <a:rPr lang="fr-FR" sz="800" u="sng" dirty="0" smtClean="0"/>
+              <a:t>:</a:t>
+            </a:r>
+            <a:r>
+              <a:rPr lang="fr-FR" sz="800" u="sng" dirty="0" err="1" smtClean="0"/>
+              <a:t>VitAvant</a:t>
+            </a:r>
+            <a:endParaRPr lang="fr-FR" sz="800" u="sng" dirty="0"/>
+          </a:p>
+        </p:txBody>
+      </p:sp>
+      <p:sp>
+        <p:nvSpPr>
+          <p:cNvPr id="218" name="ZoneTexte 217"/>
+          <p:cNvSpPr txBox="1"/>
+          <p:nvPr/>
+        </p:nvSpPr>
+        <p:spPr>
+          <a:xfrm>
+            <a:off x="3979811" y="2571751"/>
+            <a:ext cx="654346" cy="215444"/>
+          </a:xfrm>
+          <a:prstGeom prst="rect">
+            <a:avLst/>
+          </a:prstGeom>
+          <a:noFill/>
+        </p:spPr>
+        <p:txBody>
+          <a:bodyPr wrap="none" rtlCol="0">
+            <a:spAutoFit/>
+          </a:bodyPr>
+          <a:lstStyle/>
+          <a:p>
+            <a:r>
+              <a:rPr lang="fr-FR" sz="800" u="sng" dirty="0" smtClean="0"/>
+              <a:t>:</a:t>
+            </a:r>
+            <a:r>
+              <a:rPr lang="fr-FR" sz="800" u="sng" dirty="0" err="1" smtClean="0"/>
+              <a:t>AccVoulue</a:t>
+            </a:r>
+            <a:endParaRPr lang="fr-FR" sz="800" u="sng" dirty="0" smtClean="0"/>
+          </a:p>
+        </p:txBody>
+      </p:sp>
+      <p:cxnSp>
+        <p:nvCxnSpPr>
+          <p:cNvPr id="239" name="Connecteur droit avec flèche 238"/>
+          <p:cNvCxnSpPr>
+            <a:stCxn id="259" idx="2"/>
+            <a:endCxn id="50" idx="0"/>
+          </p:cNvCxnSpPr>
+          <p:nvPr/>
+        </p:nvCxnSpPr>
+        <p:spPr>
+          <a:xfrm>
+            <a:off x="3713714" y="3787602"/>
+            <a:ext cx="1" cy="859131"/>
           </a:xfrm>
           <a:prstGeom prst="straightConnector1">
             <a:avLst/>
@@ -3339,17 +4274,16 @@
       </p:cxnSp>
       <p:cxnSp>
         <p:nvCxnSpPr>
-          <p:cNvPr id="18" name="Connecteur droit avec flèche 17"/>
+          <p:cNvPr id="249" name="Connecteur droit avec flèche 248"/>
           <p:cNvCxnSpPr>
-            <a:stCxn id="4" idx="3"/>
-            <a:endCxn id="28" idx="1"/>
+            <a:endCxn id="259" idx="0"/>
           </p:cNvCxnSpPr>
           <p:nvPr/>
         </p:nvCxnSpPr>
         <p:spPr>
-          <a:xfrm flipV="1">
-            <a:off x="3498623" y="3554682"/>
-            <a:ext cx="1443647" cy="7688"/>
+          <a:xfrm flipH="1">
+            <a:off x="3713714" y="2869353"/>
+            <a:ext cx="5277" cy="223741"/>
           </a:xfrm>
           <a:prstGeom prst="straightConnector1">
             <a:avLst/>
@@ -3373,272 +4307,160 @@
           </a:fontRef>
         </p:style>
       </p:cxnSp>
-      <p:sp>
-        <p:nvSpPr>
-          <p:cNvPr id="25" name="ZoneTexte 24"/>
-          <p:cNvSpPr txBox="1"/>
+      <p:cxnSp>
+        <p:nvCxnSpPr>
+          <p:cNvPr id="252" name="Connecteur en angle 251"/>
+          <p:cNvCxnSpPr>
+            <a:stCxn id="12" idx="2"/>
+            <a:endCxn id="31" idx="2"/>
+          </p:cNvCxnSpPr>
           <p:nvPr/>
-        </p:nvSpPr>
-        <p:spPr>
-          <a:xfrm>
-            <a:off x="4814831" y="4370427"/>
-            <a:ext cx="1481496" cy="400110"/>
-          </a:xfrm>
-          <a:prstGeom prst="rect">
-            <a:avLst/>
+        </p:nvCxnSpPr>
+        <p:spPr>
+          <a:xfrm rot="16200000" flipH="1">
+            <a:off x="3668563" y="893576"/>
+            <a:ext cx="61555" cy="3465500"/>
+          </a:xfrm>
+          <a:prstGeom prst="bentConnector3">
+            <a:avLst>
+              <a:gd name="adj1" fmla="val 471375"/>
+            </a:avLst>
           </a:prstGeom>
         </p:spPr>
         <p:style>
-          <a:lnRef idx="2">
-            <a:schemeClr val="accent3"/>
+          <a:lnRef idx="1">
+            <a:schemeClr val="accent1"/>
           </a:lnRef>
-          <a:fillRef idx="1">
-            <a:schemeClr val="lt1"/>
+          <a:fillRef idx="0">
+            <a:schemeClr val="accent1"/>
           </a:fillRef>
           <a:effectRef idx="0">
-            <a:schemeClr val="accent3"/>
+            <a:schemeClr val="accent1"/>
           </a:effectRef>
           <a:fontRef idx="minor">
-            <a:schemeClr val="dk1"/>
+            <a:schemeClr val="tx1"/>
           </a:fontRef>
         </p:style>
-        <p:txBody>
-          <a:bodyPr wrap="none" rtlCol="0">
-            <a:spAutoFit/>
-          </a:bodyPr>
-          <a:lstStyle/>
-          <a:p>
-            <a:pPr algn="ctr"/>
-            <a:r>
-              <a:rPr lang="fr-FR" sz="1000" dirty="0" smtClean="0"/>
-              <a:t>Calcule nouvelle position</a:t>
-            </a:r>
-          </a:p>
-          <a:p>
-            <a:pPr algn="ctr"/>
-            <a:r>
-              <a:rPr lang="fr-FR" sz="1000" b="1" dirty="0" err="1" smtClean="0"/>
-              <a:t>PositionAprès</a:t>
-            </a:r>
-            <a:endParaRPr lang="fr-FR" sz="1000" dirty="0" smtClean="0"/>
-          </a:p>
-        </p:txBody>
-      </p:sp>
-      <p:sp>
-        <p:nvSpPr>
-          <p:cNvPr id="28" name="ZoneTexte 27"/>
-          <p:cNvSpPr txBox="1"/>
+      </p:cxnSp>
+      <p:grpSp>
+        <p:nvGrpSpPr>
+          <p:cNvPr id="275" name="Groupe 274"/>
+          <p:cNvGrpSpPr/>
           <p:nvPr/>
-        </p:nvSpPr>
-        <p:spPr>
-          <a:xfrm>
-            <a:off x="4942270" y="3277683"/>
-            <a:ext cx="1226618" cy="553998"/>
-          </a:xfrm>
-          <a:prstGeom prst="rect">
-            <a:avLst/>
-          </a:prstGeom>
-        </p:spPr>
-        <p:style>
-          <a:lnRef idx="2">
-            <a:schemeClr val="accent3"/>
-          </a:lnRef>
-          <a:fillRef idx="1">
-            <a:schemeClr val="lt1"/>
-          </a:fillRef>
-          <a:effectRef idx="0">
-            <a:schemeClr val="accent3"/>
-          </a:effectRef>
-          <a:fontRef idx="minor">
-            <a:schemeClr val="dk1"/>
-          </a:fontRef>
-        </p:style>
-        <p:txBody>
-          <a:bodyPr wrap="none" rtlCol="0">
-            <a:spAutoFit/>
-          </a:bodyPr>
-          <a:lstStyle/>
-          <a:p>
-            <a:pPr algn="ctr"/>
-            <a:r>
-              <a:rPr lang="fr-FR" sz="1000" dirty="0" smtClean="0"/>
-              <a:t>Calcule accélération</a:t>
-            </a:r>
-          </a:p>
-          <a:p>
-            <a:pPr algn="ctr"/>
-            <a:r>
-              <a:rPr lang="fr-FR" sz="1000" dirty="0" smtClean="0"/>
-              <a:t>grâce au sol</a:t>
-            </a:r>
-          </a:p>
-          <a:p>
-            <a:pPr algn="ctr"/>
-            <a:r>
-              <a:rPr lang="fr-FR" sz="1000" b="1" dirty="0" err="1" smtClean="0"/>
-              <a:t>AccélérationSol</a:t>
-            </a:r>
-            <a:endParaRPr lang="fr-FR" sz="1000" dirty="0"/>
-          </a:p>
-        </p:txBody>
-      </p:sp>
-      <p:sp>
-        <p:nvSpPr>
-          <p:cNvPr id="30" name="ZoneTexte 29"/>
-          <p:cNvSpPr txBox="1"/>
-          <p:nvPr/>
-        </p:nvSpPr>
-        <p:spPr>
-          <a:xfrm>
-            <a:off x="3960911" y="3156476"/>
-            <a:ext cx="981359" cy="400110"/>
-          </a:xfrm>
-          <a:prstGeom prst="rect">
-            <a:avLst/>
-          </a:prstGeom>
-          <a:noFill/>
-        </p:spPr>
-        <p:txBody>
-          <a:bodyPr wrap="none" rtlCol="0">
-            <a:spAutoFit/>
-          </a:bodyPr>
-          <a:lstStyle/>
-          <a:p>
-            <a:pPr algn="r"/>
-            <a:r>
-              <a:rPr lang="fr-FR" sz="1000" u="sng" dirty="0" smtClean="0"/>
-              <a:t>:</a:t>
-            </a:r>
-            <a:r>
-              <a:rPr lang="fr-FR" sz="1000" u="sng" dirty="0" err="1" smtClean="0"/>
-              <a:t>PenteSolAvant</a:t>
-            </a:r>
-            <a:endParaRPr lang="fr-FR" sz="1000" u="sng" dirty="0" smtClean="0"/>
-          </a:p>
-          <a:p>
-            <a:pPr algn="r"/>
-            <a:r>
-              <a:rPr lang="fr-FR" sz="1000" u="sng" dirty="0" smtClean="0"/>
-              <a:t>:</a:t>
-            </a:r>
-            <a:r>
-              <a:rPr lang="fr-FR" sz="1000" u="sng" dirty="0" err="1" smtClean="0"/>
-              <a:t>MatériauSol</a:t>
-            </a:r>
-            <a:endParaRPr lang="fr-FR" sz="1000" u="sng" dirty="0"/>
-          </a:p>
-        </p:txBody>
-      </p:sp>
-      <p:sp>
-        <p:nvSpPr>
-          <p:cNvPr id="12" name="ZoneTexte 11"/>
-          <p:cNvSpPr txBox="1"/>
-          <p:nvPr/>
-        </p:nvSpPr>
-        <p:spPr>
-          <a:xfrm>
-            <a:off x="2245557" y="1801133"/>
-            <a:ext cx="1367682" cy="400110"/>
-          </a:xfrm>
-          <a:prstGeom prst="rect">
-            <a:avLst/>
-          </a:prstGeom>
-        </p:spPr>
-        <p:style>
-          <a:lnRef idx="1">
-            <a:schemeClr val="accent3"/>
-          </a:lnRef>
-          <a:fillRef idx="2">
-            <a:schemeClr val="accent3"/>
-          </a:fillRef>
-          <a:effectRef idx="1">
-            <a:schemeClr val="accent3"/>
-          </a:effectRef>
-          <a:fontRef idx="minor">
-            <a:schemeClr val="dk1"/>
-          </a:fontRef>
-        </p:style>
-        <p:txBody>
-          <a:bodyPr wrap="none" rtlCol="0">
-            <a:spAutoFit/>
-          </a:bodyPr>
-          <a:lstStyle/>
-          <a:p>
-            <a:pPr algn="ctr"/>
-            <a:r>
-              <a:rPr lang="fr-FR" sz="1000" dirty="0" smtClean="0"/>
-              <a:t>Le joueur est-il en</a:t>
-            </a:r>
-          </a:p>
-          <a:p>
-            <a:pPr algn="ctr"/>
-            <a:r>
-              <a:rPr lang="fr-FR" sz="1000" dirty="0" smtClean="0"/>
-              <a:t>contact avec </a:t>
-            </a:r>
-            <a:r>
-              <a:rPr lang="fr-FR" sz="1000" dirty="0" smtClean="0"/>
-              <a:t>une paroi</a:t>
-            </a:r>
-            <a:endParaRPr lang="fr-FR" sz="1000" dirty="0" smtClean="0"/>
-          </a:p>
-        </p:txBody>
-      </p:sp>
-      <p:sp>
-        <p:nvSpPr>
-          <p:cNvPr id="15" name="ZoneTexte 14"/>
-          <p:cNvSpPr txBox="1"/>
-          <p:nvPr/>
-        </p:nvSpPr>
-        <p:spPr>
-          <a:xfrm>
-            <a:off x="2929398" y="1196752"/>
-            <a:ext cx="939681" cy="400110"/>
-          </a:xfrm>
-          <a:prstGeom prst="rect">
-            <a:avLst/>
-          </a:prstGeom>
-          <a:noFill/>
-        </p:spPr>
-        <p:txBody>
-          <a:bodyPr wrap="none" rtlCol="0">
-            <a:spAutoFit/>
-          </a:bodyPr>
-          <a:lstStyle/>
-          <a:p>
-            <a:r>
-              <a:rPr lang="fr-FR" sz="1000" u="sng" dirty="0" smtClean="0"/>
-              <a:t>:</a:t>
-            </a:r>
-            <a:r>
-              <a:rPr lang="fr-FR" sz="1000" u="sng" dirty="0" err="1" smtClean="0"/>
-              <a:t>PositionAvant</a:t>
-            </a:r>
-            <a:endParaRPr lang="fr-FR" sz="1000" u="sng" dirty="0" smtClean="0"/>
-          </a:p>
-          <a:p>
-            <a:r>
-              <a:rPr lang="fr-FR" sz="1000" u="sng" dirty="0" smtClean="0"/>
-              <a:t>:</a:t>
-            </a:r>
-            <a:r>
-              <a:rPr lang="fr-FR" sz="1000" u="sng" dirty="0" err="1" smtClean="0"/>
-              <a:t>VitesseAvant</a:t>
-            </a:r>
-            <a:endParaRPr lang="fr-FR" sz="1000" u="sng" dirty="0"/>
-          </a:p>
-        </p:txBody>
-      </p:sp>
+        </p:nvGrpSpPr>
+        <p:grpSpPr>
+          <a:xfrm>
+            <a:off x="3335766" y="3093094"/>
+            <a:ext cx="755897" cy="694508"/>
+            <a:chOff x="3526844" y="2235578"/>
+            <a:chExt cx="755897" cy="694508"/>
+          </a:xfrm>
+        </p:grpSpPr>
+        <p:sp>
+          <p:nvSpPr>
+            <p:cNvPr id="259" name="Losange 258"/>
+            <p:cNvSpPr/>
+            <p:nvPr/>
+          </p:nvSpPr>
+          <p:spPr>
+            <a:xfrm>
+              <a:off x="3557762" y="2235578"/>
+              <a:ext cx="694060" cy="694508"/>
+            </a:xfrm>
+            <a:prstGeom prst="diamond">
+              <a:avLst/>
+            </a:prstGeom>
+          </p:spPr>
+          <p:style>
+            <a:lnRef idx="2">
+              <a:schemeClr val="accent5"/>
+            </a:lnRef>
+            <a:fillRef idx="1">
+              <a:schemeClr val="lt1"/>
+            </a:fillRef>
+            <a:effectRef idx="0">
+              <a:schemeClr val="accent5"/>
+            </a:effectRef>
+            <a:fontRef idx="minor">
+              <a:schemeClr val="dk1"/>
+            </a:fontRef>
+          </p:style>
+          <p:txBody>
+            <a:bodyPr wrap="square" rtlCol="0">
+              <a:spAutoFit/>
+            </a:bodyPr>
+            <a:lstStyle/>
+            <a:p>
+              <a:pPr algn="ctr"/>
+              <a:endParaRPr lang="fr-FR" sz="800">
+                <a:solidFill>
+                  <a:schemeClr val="dk1"/>
+                </a:solidFill>
+              </a:endParaRPr>
+            </a:p>
+          </p:txBody>
+        </p:sp>
+        <p:sp>
+          <p:nvSpPr>
+            <p:cNvPr id="260" name="ZoneTexte 259"/>
+            <p:cNvSpPr txBox="1"/>
+            <p:nvPr/>
+          </p:nvSpPr>
+          <p:spPr>
+            <a:xfrm>
+              <a:off x="3526844" y="2413555"/>
+              <a:ext cx="755897" cy="338554"/>
+            </a:xfrm>
+            <a:prstGeom prst="rect">
+              <a:avLst/>
+            </a:prstGeom>
+            <a:noFill/>
+          </p:spPr>
+          <p:txBody>
+            <a:bodyPr wrap="square" rtlCol="0">
+              <a:spAutoFit/>
+            </a:bodyPr>
+            <a:lstStyle/>
+            <a:p>
+              <a:pPr algn="ctr"/>
+              <a:r>
+                <a:rPr lang="fr-FR" sz="800" dirty="0" smtClean="0"/>
+                <a:t>Contact</a:t>
+              </a:r>
+              <a:endParaRPr lang="fr-FR" dirty="0"/>
+            </a:p>
+            <a:p>
+              <a:pPr algn="ctr"/>
+              <a:r>
+                <a:rPr lang="fr-FR" sz="800" dirty="0" smtClean="0">
+                  <a:solidFill>
+                    <a:schemeClr val="dk1"/>
+                  </a:solidFill>
+                </a:rPr>
+                <a:t>sol (pente !)</a:t>
+              </a:r>
+              <a:endParaRPr lang="fr-FR" sz="800" dirty="0">
+                <a:solidFill>
+                  <a:schemeClr val="dk1"/>
+                </a:solidFill>
+              </a:endParaRPr>
+            </a:p>
+          </p:txBody>
+        </p:sp>
+      </p:grpSp>
       <p:cxnSp>
         <p:nvCxnSpPr>
-          <p:cNvPr id="16" name="Connecteur droit avec flèche 15"/>
-          <p:cNvCxnSpPr/>
+          <p:cNvPr id="270" name="Connecteur droit avec flèche 269"/>
+          <p:cNvCxnSpPr>
+            <a:stCxn id="260" idx="3"/>
+            <a:endCxn id="28" idx="1"/>
+          </p:cNvCxnSpPr>
           <p:nvPr/>
         </p:nvCxnSpPr>
         <p:spPr>
           <a:xfrm>
-            <a:off x="2914311" y="1196752"/>
-            <a:ext cx="1" cy="604243"/>
+            <a:off x="4091663" y="3440348"/>
+            <a:ext cx="701359" cy="0"/>
           </a:xfrm>
           <a:prstGeom prst="straightConnector1">
             <a:avLst/>
@@ -3649,23 +4471,1174 @@
         </p:spPr>
         <p:style>
           <a:lnRef idx="1">
-            <a:schemeClr val="accent6"/>
+            <a:schemeClr val="accent1"/>
           </a:lnRef>
           <a:fillRef idx="0">
-            <a:schemeClr val="accent6"/>
+            <a:schemeClr val="accent1"/>
           </a:fillRef>
           <a:effectRef idx="0">
-            <a:schemeClr val="accent6"/>
+            <a:schemeClr val="accent1"/>
           </a:effectRef>
           <a:fontRef idx="minor">
             <a:schemeClr val="tx1"/>
           </a:fontRef>
         </p:style>
       </p:cxnSp>
+      <p:cxnSp>
+        <p:nvCxnSpPr>
+          <p:cNvPr id="274" name="Connecteur en angle 273"/>
+          <p:cNvCxnSpPr>
+            <a:stCxn id="28" idx="2"/>
+          </p:cNvCxnSpPr>
+          <p:nvPr/>
+        </p:nvCxnSpPr>
+        <p:spPr>
+          <a:xfrm rot="5400000">
+            <a:off x="4146661" y="3120400"/>
+            <a:ext cx="543461" cy="1398801"/>
+          </a:xfrm>
+          <a:prstGeom prst="bentConnector2">
+            <a:avLst/>
+          </a:prstGeom>
+          <a:ln>
+            <a:tailEnd type="arrow"/>
+          </a:ln>
+        </p:spPr>
+        <p:style>
+          <a:lnRef idx="1">
+            <a:schemeClr val="accent1"/>
+          </a:lnRef>
+          <a:fillRef idx="0">
+            <a:schemeClr val="accent1"/>
+          </a:fillRef>
+          <a:effectRef idx="0">
+            <a:schemeClr val="accent1"/>
+          </a:effectRef>
+          <a:fontRef idx="minor">
+            <a:schemeClr val="tx1"/>
+          </a:fontRef>
+        </p:style>
+      </p:cxnSp>
+      <p:sp>
+        <p:nvSpPr>
+          <p:cNvPr id="278" name="ZoneTexte 277"/>
+          <p:cNvSpPr txBox="1"/>
+          <p:nvPr/>
+        </p:nvSpPr>
+        <p:spPr>
+          <a:xfrm>
+            <a:off x="3730118" y="4145173"/>
+            <a:ext cx="1173719" cy="461665"/>
+          </a:xfrm>
+          <a:prstGeom prst="rect">
+            <a:avLst/>
+          </a:prstGeom>
+          <a:noFill/>
+        </p:spPr>
+        <p:txBody>
+          <a:bodyPr wrap="none" rtlCol="0">
+            <a:spAutoFit/>
+          </a:bodyPr>
+          <a:lstStyle/>
+          <a:p>
+            <a:r>
+              <a:rPr lang="fr-FR" sz="800" u="sng" dirty="0" smtClean="0"/>
+              <a:t>:</a:t>
+            </a:r>
+            <a:r>
+              <a:rPr lang="fr-FR" sz="800" u="sng" dirty="0" err="1" smtClean="0"/>
+              <a:t>Acc</a:t>
+            </a:r>
+            <a:r>
+              <a:rPr lang="fr-FR" sz="800" u="sng" dirty="0" smtClean="0"/>
+              <a:t>=</a:t>
+            </a:r>
+            <a:r>
+              <a:rPr lang="fr-FR" sz="800" u="sng" dirty="0" err="1" smtClean="0"/>
+              <a:t>AccVoulue+AccSol</a:t>
+            </a:r>
+            <a:endParaRPr lang="fr-FR" sz="800" u="sng" dirty="0" smtClean="0"/>
+          </a:p>
+          <a:p>
+            <a:r>
+              <a:rPr lang="fr-FR" sz="800" u="sng" dirty="0" smtClean="0"/>
+              <a:t>:</a:t>
+            </a:r>
+            <a:r>
+              <a:rPr lang="fr-FR" sz="800" u="sng" dirty="0" err="1" smtClean="0"/>
+              <a:t>PenteSol</a:t>
+            </a:r>
+            <a:endParaRPr lang="fr-FR" sz="800" u="sng" dirty="0" smtClean="0"/>
+          </a:p>
+          <a:p>
+            <a:r>
+              <a:rPr lang="fr-FR" sz="800" u="sng" dirty="0" smtClean="0"/>
+              <a:t>:</a:t>
+            </a:r>
+            <a:r>
+              <a:rPr lang="fr-FR" sz="800" u="sng" dirty="0" err="1" smtClean="0"/>
+              <a:t>MateriauSol</a:t>
+            </a:r>
+            <a:endParaRPr lang="fr-FR" sz="800" u="sng" dirty="0" smtClean="0"/>
+          </a:p>
+        </p:txBody>
+      </p:sp>
+      <p:sp>
+        <p:nvSpPr>
+          <p:cNvPr id="280" name="ZoneTexte 279"/>
+          <p:cNvSpPr txBox="1"/>
+          <p:nvPr/>
+        </p:nvSpPr>
+        <p:spPr>
+          <a:xfrm>
+            <a:off x="5130565" y="1112897"/>
+            <a:ext cx="603050" cy="338554"/>
+          </a:xfrm>
+          <a:prstGeom prst="rect">
+            <a:avLst/>
+          </a:prstGeom>
+          <a:noFill/>
+        </p:spPr>
+        <p:txBody>
+          <a:bodyPr wrap="none" rtlCol="0">
+            <a:spAutoFit/>
+          </a:bodyPr>
+          <a:lstStyle/>
+          <a:p>
+            <a:r>
+              <a:rPr lang="fr-FR" sz="800" u="sng" dirty="0" smtClean="0"/>
+              <a:t>:</a:t>
+            </a:r>
+            <a:r>
+              <a:rPr lang="fr-FR" sz="800" u="sng" dirty="0" err="1" smtClean="0"/>
+              <a:t>PosAvant</a:t>
+            </a:r>
+            <a:endParaRPr lang="fr-FR" sz="800" u="sng" dirty="0" smtClean="0"/>
+          </a:p>
+          <a:p>
+            <a:r>
+              <a:rPr lang="fr-FR" sz="800" u="sng" dirty="0" smtClean="0"/>
+              <a:t>:</a:t>
+            </a:r>
+            <a:r>
+              <a:rPr lang="fr-FR" sz="800" u="sng" dirty="0" err="1" smtClean="0"/>
+              <a:t>VitAvant</a:t>
+            </a:r>
+            <a:endParaRPr lang="fr-FR" sz="800" u="sng" dirty="0"/>
+          </a:p>
+        </p:txBody>
+      </p:sp>
+      <p:cxnSp>
+        <p:nvCxnSpPr>
+          <p:cNvPr id="281" name="Connecteur droit avec flèche 280"/>
+          <p:cNvCxnSpPr>
+            <a:stCxn id="280" idx="2"/>
+            <a:endCxn id="72" idx="0"/>
+          </p:cNvCxnSpPr>
+          <p:nvPr/>
+        </p:nvCxnSpPr>
+        <p:spPr>
+          <a:xfrm>
+            <a:off x="5432090" y="1451451"/>
+            <a:ext cx="1" cy="220064"/>
+          </a:xfrm>
+          <a:prstGeom prst="straightConnector1">
+            <a:avLst/>
+          </a:prstGeom>
+          <a:ln>
+            <a:tailEnd type="arrow"/>
+          </a:ln>
+        </p:spPr>
+        <p:style>
+          <a:lnRef idx="1">
+            <a:schemeClr val="accent1"/>
+          </a:lnRef>
+          <a:fillRef idx="0">
+            <a:schemeClr val="accent1"/>
+          </a:fillRef>
+          <a:effectRef idx="0">
+            <a:schemeClr val="accent1"/>
+          </a:effectRef>
+          <a:fontRef idx="minor">
+            <a:schemeClr val="tx1"/>
+          </a:fontRef>
+        </p:style>
+      </p:cxnSp>
+      <p:sp>
+        <p:nvSpPr>
+          <p:cNvPr id="291" name="ZoneTexte 290"/>
+          <p:cNvSpPr txBox="1"/>
+          <p:nvPr/>
+        </p:nvSpPr>
+        <p:spPr>
+          <a:xfrm>
+            <a:off x="1565241" y="3209515"/>
+            <a:ext cx="1548822" cy="461665"/>
+          </a:xfrm>
+          <a:prstGeom prst="rect">
+            <a:avLst/>
+          </a:prstGeom>
+        </p:spPr>
+        <p:style>
+          <a:lnRef idx="1">
+            <a:schemeClr val="accent5"/>
+          </a:lnRef>
+          <a:fillRef idx="1001">
+            <a:schemeClr val="lt2"/>
+          </a:fillRef>
+          <a:effectRef idx="1">
+            <a:schemeClr val="accent5"/>
+          </a:effectRef>
+          <a:fontRef idx="minor">
+            <a:schemeClr val="dk1"/>
+          </a:fontRef>
+        </p:style>
+        <p:txBody>
+          <a:bodyPr wrap="none" rtlCol="0">
+            <a:spAutoFit/>
+          </a:bodyPr>
+          <a:lstStyle>
+            <a:defPPr>
+              <a:defRPr lang="fr-FR"/>
+            </a:defPPr>
+            <a:lvl1pPr>
+              <a:defRPr sz="800" u="sng"/>
+            </a:lvl1pPr>
+          </a:lstStyle>
+          <a:p>
+            <a:pPr algn="ctr"/>
+            <a:r>
+              <a:rPr lang="fr-FR" u="none" dirty="0">
+                <a:solidFill>
+                  <a:schemeClr val="tx1"/>
+                </a:solidFill>
+              </a:rPr>
+              <a:t>Si proximité sol</a:t>
+            </a:r>
+          </a:p>
+          <a:p>
+            <a:pPr algn="ctr"/>
+            <a:r>
+              <a:rPr lang="fr-FR" u="none" dirty="0">
+                <a:solidFill>
+                  <a:schemeClr val="tx1"/>
+                </a:solidFill>
+              </a:rPr>
+              <a:t>ET</a:t>
+            </a:r>
+          </a:p>
+          <a:p>
+            <a:pPr algn="ctr"/>
+            <a:r>
+              <a:rPr lang="fr-FR" u="none" dirty="0">
+                <a:solidFill>
+                  <a:schemeClr val="tx1"/>
+                </a:solidFill>
+              </a:rPr>
+              <a:t>Si </a:t>
+            </a:r>
+            <a:r>
+              <a:rPr lang="fr-FR" u="none" dirty="0" err="1">
+                <a:solidFill>
+                  <a:schemeClr val="tx1"/>
+                </a:solidFill>
+              </a:rPr>
+              <a:t>VitAvant</a:t>
+            </a:r>
+            <a:r>
+              <a:rPr lang="fr-FR" u="none" dirty="0">
+                <a:solidFill>
+                  <a:schemeClr val="tx1"/>
+                </a:solidFill>
+              </a:rPr>
+              <a:t> en direction de ce sol</a:t>
+            </a:r>
+          </a:p>
+        </p:txBody>
+      </p:sp>
+      <p:cxnSp>
+        <p:nvCxnSpPr>
+          <p:cNvPr id="293" name="Connecteur droit 292"/>
+          <p:cNvCxnSpPr>
+            <a:stCxn id="260" idx="1"/>
+            <a:endCxn id="291" idx="3"/>
+          </p:cNvCxnSpPr>
+          <p:nvPr/>
+        </p:nvCxnSpPr>
+        <p:spPr>
+          <a:xfrm flipH="1">
+            <a:off x="3114063" y="3440348"/>
+            <a:ext cx="221703" cy="0"/>
+          </a:xfrm>
+          <a:prstGeom prst="line">
+            <a:avLst/>
+          </a:prstGeom>
+          <a:ln>
+            <a:prstDash val="dash"/>
+          </a:ln>
+        </p:spPr>
+        <p:style>
+          <a:lnRef idx="1">
+            <a:schemeClr val="accent1"/>
+          </a:lnRef>
+          <a:fillRef idx="0">
+            <a:schemeClr val="accent1"/>
+          </a:fillRef>
+          <a:effectRef idx="0">
+            <a:schemeClr val="accent1"/>
+          </a:effectRef>
+          <a:fontRef idx="minor">
+            <a:schemeClr val="tx1"/>
+          </a:fontRef>
+        </p:style>
+      </p:cxnSp>
+      <p:sp>
+        <p:nvSpPr>
+          <p:cNvPr id="2" name="ZoneTexte 1"/>
+          <p:cNvSpPr txBox="1"/>
+          <p:nvPr/>
+        </p:nvSpPr>
+        <p:spPr>
+          <a:xfrm>
+            <a:off x="2709827" y="692696"/>
+            <a:ext cx="2033121" cy="369332"/>
+          </a:xfrm>
+          <a:prstGeom prst="rect">
+            <a:avLst/>
+          </a:prstGeom>
+          <a:noFill/>
+        </p:spPr>
+        <p:txBody>
+          <a:bodyPr wrap="none" rtlCol="0">
+            <a:spAutoFit/>
+          </a:bodyPr>
+          <a:lstStyle/>
+          <a:p>
+            <a:r>
+              <a:rPr lang="fr-FR" dirty="0" smtClean="0"/>
+              <a:t>Pour chaque joueur</a:t>
+            </a:r>
+            <a:endParaRPr lang="fr-FR" dirty="0"/>
+          </a:p>
+        </p:txBody>
+      </p:sp>
     </p:spTree>
     <p:extLst>
       <p:ext uri="{BB962C8B-B14F-4D97-AF65-F5344CB8AC3E}">
         <p14:creationId xmlns:p14="http://schemas.microsoft.com/office/powerpoint/2010/main" val="3887422863"/>
+      </p:ext>
+    </p:extLst>
+  </p:cSld>
+  <p:clrMapOvr>
+    <a:masterClrMapping/>
+  </p:clrMapOvr>
+</p:sld>
+</file>
+
+<file path=ppt/slides/slide2.xml><?xml version="1.0" encoding="utf-8"?>
+<p:sld xmlns:a="http://schemas.openxmlformats.org/drawingml/2006/main" xmlns:r="http://schemas.openxmlformats.org/officeDocument/2006/relationships" xmlns:p="http://schemas.openxmlformats.org/presentationml/2006/main">
+  <p:cSld>
+    <p:spTree>
+      <p:nvGrpSpPr>
+        <p:cNvPr id="1" name=""/>
+        <p:cNvGrpSpPr/>
+        <p:nvPr/>
+      </p:nvGrpSpPr>
+      <p:grpSpPr>
+        <a:xfrm>
+          <a:off x="0" y="0"/>
+          <a:ext cx="0" cy="0"/>
+          <a:chOff x="0" y="0"/>
+          <a:chExt cx="0" cy="0"/>
+        </a:xfrm>
+      </p:grpSpPr>
+      <p:sp>
+        <p:nvSpPr>
+          <p:cNvPr id="4" name="ZoneTexte 3"/>
+          <p:cNvSpPr txBox="1"/>
+          <p:nvPr/>
+        </p:nvSpPr>
+        <p:spPr>
+          <a:xfrm>
+            <a:off x="3092471" y="1742440"/>
+            <a:ext cx="1210588" cy="461665"/>
+          </a:xfrm>
+          <a:prstGeom prst="rect">
+            <a:avLst/>
+          </a:prstGeom>
+        </p:spPr>
+        <p:style>
+          <a:lnRef idx="2">
+            <a:schemeClr val="accent5"/>
+          </a:lnRef>
+          <a:fillRef idx="1">
+            <a:schemeClr val="lt1"/>
+          </a:fillRef>
+          <a:effectRef idx="0">
+            <a:schemeClr val="accent5"/>
+          </a:effectRef>
+          <a:fontRef idx="minor">
+            <a:schemeClr val="dk1"/>
+          </a:fontRef>
+        </p:style>
+        <p:txBody>
+          <a:bodyPr wrap="none" rtlCol="0">
+            <a:spAutoFit/>
+          </a:bodyPr>
+          <a:lstStyle/>
+          <a:p>
+            <a:pPr algn="ctr"/>
+            <a:r>
+              <a:rPr lang="fr-FR" sz="800" dirty="0" smtClean="0"/>
+              <a:t>Liste les intersections</a:t>
+            </a:r>
+            <a:endParaRPr lang="fr-FR" sz="800" dirty="0"/>
+          </a:p>
+          <a:p>
+            <a:pPr algn="ctr"/>
+            <a:r>
+              <a:rPr lang="fr-FR" sz="800" dirty="0" smtClean="0"/>
+              <a:t>déplacement / obstacles</a:t>
+            </a:r>
+          </a:p>
+          <a:p>
+            <a:pPr algn="ctr"/>
+            <a:r>
+              <a:rPr lang="fr-FR" sz="800" b="1" dirty="0" err="1" smtClean="0"/>
+              <a:t>PosAvant</a:t>
+            </a:r>
+            <a:r>
+              <a:rPr lang="fr-FR" sz="800" b="1" dirty="0" smtClean="0"/>
+              <a:t> &amp; </a:t>
+            </a:r>
+            <a:r>
+              <a:rPr lang="fr-FR" sz="800" b="1" dirty="0" err="1" smtClean="0"/>
+              <a:t>DepVoulu</a:t>
+            </a:r>
+            <a:endParaRPr lang="fr-FR" sz="800" dirty="0" smtClean="0"/>
+          </a:p>
+        </p:txBody>
+      </p:sp>
+      <p:cxnSp>
+        <p:nvCxnSpPr>
+          <p:cNvPr id="5" name="Connecteur droit avec flèche 4"/>
+          <p:cNvCxnSpPr>
+            <a:stCxn id="4" idx="2"/>
+            <a:endCxn id="10" idx="0"/>
+          </p:cNvCxnSpPr>
+          <p:nvPr/>
+        </p:nvCxnSpPr>
+        <p:spPr>
+          <a:xfrm>
+            <a:off x="3697765" y="2204105"/>
+            <a:ext cx="1" cy="317497"/>
+          </a:xfrm>
+          <a:prstGeom prst="straightConnector1">
+            <a:avLst/>
+          </a:prstGeom>
+          <a:ln>
+            <a:tailEnd type="arrow"/>
+          </a:ln>
+        </p:spPr>
+        <p:style>
+          <a:lnRef idx="1">
+            <a:schemeClr val="accent1"/>
+          </a:lnRef>
+          <a:fillRef idx="0">
+            <a:schemeClr val="accent1"/>
+          </a:fillRef>
+          <a:effectRef idx="0">
+            <a:schemeClr val="accent1"/>
+          </a:effectRef>
+          <a:fontRef idx="minor">
+            <a:schemeClr val="tx1"/>
+          </a:fontRef>
+        </p:style>
+      </p:cxnSp>
+      <p:sp>
+        <p:nvSpPr>
+          <p:cNvPr id="6" name="ZoneTexte 5"/>
+          <p:cNvSpPr txBox="1"/>
+          <p:nvPr/>
+        </p:nvSpPr>
+        <p:spPr>
+          <a:xfrm>
+            <a:off x="3682604" y="2291182"/>
+            <a:ext cx="753732" cy="215444"/>
+          </a:xfrm>
+          <a:prstGeom prst="rect">
+            <a:avLst/>
+          </a:prstGeom>
+          <a:noFill/>
+        </p:spPr>
+        <p:txBody>
+          <a:bodyPr wrap="none" rtlCol="0">
+            <a:spAutoFit/>
+          </a:bodyPr>
+          <a:lstStyle/>
+          <a:p>
+            <a:r>
+              <a:rPr lang="fr-FR" sz="800" u="sng" dirty="0" smtClean="0"/>
+              <a:t>:Intersections</a:t>
+            </a:r>
+          </a:p>
+        </p:txBody>
+      </p:sp>
+      <p:cxnSp>
+        <p:nvCxnSpPr>
+          <p:cNvPr id="8" name="Connecteur droit avec flèche 7"/>
+          <p:cNvCxnSpPr>
+            <a:endCxn id="4" idx="0"/>
+          </p:cNvCxnSpPr>
+          <p:nvPr/>
+        </p:nvCxnSpPr>
+        <p:spPr>
+          <a:xfrm>
+            <a:off x="3697765" y="332656"/>
+            <a:ext cx="0" cy="1409784"/>
+          </a:xfrm>
+          <a:prstGeom prst="straightConnector1">
+            <a:avLst/>
+          </a:prstGeom>
+          <a:ln>
+            <a:tailEnd type="arrow"/>
+          </a:ln>
+        </p:spPr>
+        <p:style>
+          <a:lnRef idx="1">
+            <a:schemeClr val="accent1"/>
+          </a:lnRef>
+          <a:fillRef idx="0">
+            <a:schemeClr val="accent1"/>
+          </a:fillRef>
+          <a:effectRef idx="0">
+            <a:schemeClr val="accent1"/>
+          </a:effectRef>
+          <a:fontRef idx="minor">
+            <a:schemeClr val="tx1"/>
+          </a:fontRef>
+        </p:style>
+      </p:cxnSp>
+      <p:sp>
+        <p:nvSpPr>
+          <p:cNvPr id="9" name="ZoneTexte 8"/>
+          <p:cNvSpPr txBox="1"/>
+          <p:nvPr/>
+        </p:nvSpPr>
+        <p:spPr>
+          <a:xfrm>
+            <a:off x="3638521" y="332656"/>
+            <a:ext cx="1418978" cy="584775"/>
+          </a:xfrm>
+          <a:prstGeom prst="rect">
+            <a:avLst/>
+          </a:prstGeom>
+          <a:noFill/>
+        </p:spPr>
+        <p:txBody>
+          <a:bodyPr wrap="none" rtlCol="0">
+            <a:spAutoFit/>
+          </a:bodyPr>
+          <a:lstStyle/>
+          <a:p>
+            <a:r>
+              <a:rPr lang="fr-FR" sz="800" b="1" dirty="0" smtClean="0"/>
+              <a:t>:</a:t>
+            </a:r>
+            <a:r>
+              <a:rPr lang="fr-FR" sz="800" b="1" dirty="0" err="1" smtClean="0"/>
+              <a:t>DepVoulu</a:t>
+            </a:r>
+            <a:endParaRPr lang="fr-FR" sz="800" b="1" dirty="0" smtClean="0"/>
+          </a:p>
+          <a:p>
+            <a:endParaRPr lang="fr-FR" sz="800" b="1" dirty="0" smtClean="0"/>
+          </a:p>
+          <a:p>
+            <a:r>
+              <a:rPr lang="fr-FR" sz="800" b="1" dirty="0" smtClean="0"/>
+              <a:t>:DepPotentiel_1 = :</a:t>
+            </a:r>
+            <a:r>
+              <a:rPr lang="fr-FR" sz="800" b="1" dirty="0" err="1" smtClean="0"/>
+              <a:t>DepVoulu</a:t>
+            </a:r>
+            <a:endParaRPr lang="fr-FR" sz="800" b="1" dirty="0" smtClean="0"/>
+          </a:p>
+          <a:p>
+            <a:r>
+              <a:rPr lang="fr-FR" sz="800" b="1" dirty="0" smtClean="0"/>
+              <a:t>:DepEffecué_1 = 0</a:t>
+            </a:r>
+            <a:endParaRPr lang="fr-FR" sz="800" b="1" dirty="0"/>
+          </a:p>
+        </p:txBody>
+      </p:sp>
+      <p:sp>
+        <p:nvSpPr>
+          <p:cNvPr id="10" name="ZoneTexte 9"/>
+          <p:cNvSpPr txBox="1"/>
+          <p:nvPr/>
+        </p:nvSpPr>
+        <p:spPr>
+          <a:xfrm>
+            <a:off x="3051595" y="2521602"/>
+            <a:ext cx="1292341" cy="338554"/>
+          </a:xfrm>
+          <a:prstGeom prst="rect">
+            <a:avLst/>
+          </a:prstGeom>
+        </p:spPr>
+        <p:style>
+          <a:lnRef idx="2">
+            <a:schemeClr val="accent5"/>
+          </a:lnRef>
+          <a:fillRef idx="1">
+            <a:schemeClr val="lt1"/>
+          </a:fillRef>
+          <a:effectRef idx="0">
+            <a:schemeClr val="accent5"/>
+          </a:effectRef>
+          <a:fontRef idx="minor">
+            <a:schemeClr val="dk1"/>
+          </a:fontRef>
+        </p:style>
+        <p:txBody>
+          <a:bodyPr wrap="none" rtlCol="0">
+            <a:spAutoFit/>
+          </a:bodyPr>
+          <a:lstStyle/>
+          <a:p>
+            <a:pPr algn="ctr"/>
+            <a:r>
+              <a:rPr lang="fr-FR" sz="800" dirty="0" smtClean="0"/>
+              <a:t>Limite déplacement à</a:t>
+            </a:r>
+          </a:p>
+          <a:p>
+            <a:pPr algn="ctr"/>
+            <a:r>
+              <a:rPr lang="fr-FR" sz="800" dirty="0" smtClean="0"/>
+              <a:t>la plus proche intersection</a:t>
+            </a:r>
+          </a:p>
+        </p:txBody>
+      </p:sp>
+      <p:sp>
+        <p:nvSpPr>
+          <p:cNvPr id="13" name="ZoneTexte 12"/>
+          <p:cNvSpPr txBox="1"/>
+          <p:nvPr/>
+        </p:nvSpPr>
+        <p:spPr>
+          <a:xfrm>
+            <a:off x="3712926" y="2937279"/>
+            <a:ext cx="979755" cy="338554"/>
+          </a:xfrm>
+          <a:prstGeom prst="rect">
+            <a:avLst/>
+          </a:prstGeom>
+          <a:noFill/>
+        </p:spPr>
+        <p:txBody>
+          <a:bodyPr wrap="none" rtlCol="0">
+            <a:spAutoFit/>
+          </a:bodyPr>
+          <a:lstStyle/>
+          <a:p>
+            <a:r>
+              <a:rPr lang="fr-FR" sz="800" u="sng" dirty="0" smtClean="0"/>
+              <a:t>:</a:t>
+            </a:r>
+            <a:r>
+              <a:rPr lang="fr-FR" sz="800" u="sng" dirty="0" smtClean="0"/>
+              <a:t>DepEffectué_N+1</a:t>
+            </a:r>
+            <a:endParaRPr lang="fr-FR" sz="800" u="sng" dirty="0" smtClean="0"/>
+          </a:p>
+          <a:p>
+            <a:r>
+              <a:rPr lang="fr-FR" sz="800" u="sng" dirty="0" smtClean="0"/>
+              <a:t>:</a:t>
+            </a:r>
+            <a:r>
+              <a:rPr lang="fr-FR" sz="800" u="sng" dirty="0" smtClean="0"/>
+              <a:t>DepPotentiel_N+1</a:t>
+            </a:r>
+            <a:endParaRPr lang="fr-FR" sz="800" u="sng" dirty="0" smtClean="0"/>
+          </a:p>
+        </p:txBody>
+      </p:sp>
+      <p:cxnSp>
+        <p:nvCxnSpPr>
+          <p:cNvPr id="16" name="Connecteur droit avec flèche 15"/>
+          <p:cNvCxnSpPr>
+            <a:stCxn id="10" idx="2"/>
+            <a:endCxn id="31" idx="0"/>
+          </p:cNvCxnSpPr>
+          <p:nvPr/>
+        </p:nvCxnSpPr>
+        <p:spPr>
+          <a:xfrm>
+            <a:off x="3697766" y="2860156"/>
+            <a:ext cx="71" cy="500159"/>
+          </a:xfrm>
+          <a:prstGeom prst="straightConnector1">
+            <a:avLst/>
+          </a:prstGeom>
+          <a:ln>
+            <a:tailEnd type="arrow"/>
+          </a:ln>
+        </p:spPr>
+        <p:style>
+          <a:lnRef idx="1">
+            <a:schemeClr val="accent1"/>
+          </a:lnRef>
+          <a:fillRef idx="0">
+            <a:schemeClr val="accent1"/>
+          </a:fillRef>
+          <a:effectRef idx="0">
+            <a:schemeClr val="accent1"/>
+          </a:effectRef>
+          <a:fontRef idx="minor">
+            <a:schemeClr val="tx1"/>
+          </a:fontRef>
+        </p:style>
+      </p:cxnSp>
+      <p:sp>
+        <p:nvSpPr>
+          <p:cNvPr id="11" name="ZoneTexte 10"/>
+          <p:cNvSpPr txBox="1"/>
+          <p:nvPr/>
+        </p:nvSpPr>
+        <p:spPr>
+          <a:xfrm>
+            <a:off x="3712926" y="1039810"/>
+            <a:ext cx="877163" cy="338554"/>
+          </a:xfrm>
+          <a:prstGeom prst="rect">
+            <a:avLst/>
+          </a:prstGeom>
+          <a:noFill/>
+        </p:spPr>
+        <p:txBody>
+          <a:bodyPr wrap="none" rtlCol="0">
+            <a:spAutoFit/>
+          </a:bodyPr>
+          <a:lstStyle/>
+          <a:p>
+            <a:r>
+              <a:rPr lang="fr-FR" sz="800" dirty="0" smtClean="0"/>
+              <a:t>:</a:t>
+            </a:r>
+            <a:r>
+              <a:rPr lang="fr-FR" sz="800" dirty="0" err="1" smtClean="0"/>
+              <a:t>DepEffectué_N</a:t>
+            </a:r>
+            <a:endParaRPr lang="fr-FR" sz="800" dirty="0" smtClean="0"/>
+          </a:p>
+          <a:p>
+            <a:r>
+              <a:rPr lang="fr-FR" sz="800" dirty="0" smtClean="0"/>
+              <a:t>:</a:t>
+            </a:r>
+            <a:r>
+              <a:rPr lang="fr-FR" sz="800" dirty="0" err="1" smtClean="0"/>
+              <a:t>DepPotentiel_N</a:t>
+            </a:r>
+            <a:endParaRPr lang="fr-FR" sz="800" dirty="0"/>
+          </a:p>
+        </p:txBody>
+      </p:sp>
+      <p:cxnSp>
+        <p:nvCxnSpPr>
+          <p:cNvPr id="17" name="Connecteur droit avec flèche 16"/>
+          <p:cNvCxnSpPr>
+            <a:stCxn id="32" idx="3"/>
+            <a:endCxn id="11" idx="3"/>
+          </p:cNvCxnSpPr>
+          <p:nvPr/>
+        </p:nvCxnSpPr>
+        <p:spPr>
+          <a:xfrm flipV="1">
+            <a:off x="4075786" y="1209087"/>
+            <a:ext cx="514303" cy="2498482"/>
+          </a:xfrm>
+          <a:prstGeom prst="bentConnector3">
+            <a:avLst>
+              <a:gd name="adj1" fmla="val 144449"/>
+            </a:avLst>
+          </a:prstGeom>
+          <a:ln w="15875">
+            <a:tailEnd type="arrow"/>
+          </a:ln>
+        </p:spPr>
+        <p:style>
+          <a:lnRef idx="1">
+            <a:schemeClr val="accent1"/>
+          </a:lnRef>
+          <a:fillRef idx="0">
+            <a:schemeClr val="accent1"/>
+          </a:fillRef>
+          <a:effectRef idx="0">
+            <a:schemeClr val="accent1"/>
+          </a:effectRef>
+          <a:fontRef idx="minor">
+            <a:schemeClr val="tx1"/>
+          </a:fontRef>
+        </p:style>
+      </p:cxnSp>
+      <p:cxnSp>
+        <p:nvCxnSpPr>
+          <p:cNvPr id="19" name="Connecteur droit avec flèche 18"/>
+          <p:cNvCxnSpPr>
+            <a:stCxn id="31" idx="2"/>
+            <a:endCxn id="21" idx="0"/>
+          </p:cNvCxnSpPr>
+          <p:nvPr/>
+        </p:nvCxnSpPr>
+        <p:spPr>
+          <a:xfrm>
+            <a:off x="3697837" y="4054823"/>
+            <a:ext cx="0" cy="415718"/>
+          </a:xfrm>
+          <a:prstGeom prst="straightConnector1">
+            <a:avLst/>
+          </a:prstGeom>
+          <a:ln>
+            <a:tailEnd type="arrow"/>
+          </a:ln>
+        </p:spPr>
+        <p:style>
+          <a:lnRef idx="1">
+            <a:schemeClr val="accent1"/>
+          </a:lnRef>
+          <a:fillRef idx="0">
+            <a:schemeClr val="accent1"/>
+          </a:fillRef>
+          <a:effectRef idx="0">
+            <a:schemeClr val="accent1"/>
+          </a:effectRef>
+          <a:fontRef idx="minor">
+            <a:schemeClr val="tx1"/>
+          </a:fontRef>
+        </p:style>
+      </p:cxnSp>
+      <p:sp>
+        <p:nvSpPr>
+          <p:cNvPr id="21" name="ZoneTexte 20"/>
+          <p:cNvSpPr txBox="1"/>
+          <p:nvPr/>
+        </p:nvSpPr>
+        <p:spPr>
+          <a:xfrm>
+            <a:off x="2673357" y="4470541"/>
+            <a:ext cx="2048959" cy="215444"/>
+          </a:xfrm>
+          <a:prstGeom prst="rect">
+            <a:avLst/>
+          </a:prstGeom>
+        </p:spPr>
+        <p:style>
+          <a:lnRef idx="2">
+            <a:schemeClr val="accent5"/>
+          </a:lnRef>
+          <a:fillRef idx="1">
+            <a:schemeClr val="lt1"/>
+          </a:fillRef>
+          <a:effectRef idx="0">
+            <a:schemeClr val="accent5"/>
+          </a:effectRef>
+          <a:fontRef idx="minor">
+            <a:schemeClr val="dk1"/>
+          </a:fontRef>
+        </p:style>
+        <p:txBody>
+          <a:bodyPr wrap="none" rtlCol="0">
+            <a:spAutoFit/>
+          </a:bodyPr>
+          <a:lstStyle/>
+          <a:p>
+            <a:pPr algn="ctr"/>
+            <a:r>
+              <a:rPr lang="fr-FR" sz="800" dirty="0" smtClean="0"/>
+              <a:t>Calcule la nouvelle vitesse = :</a:t>
+            </a:r>
+            <a:r>
+              <a:rPr lang="fr-FR" sz="800" dirty="0" err="1" smtClean="0"/>
+              <a:t>DepEffectué</a:t>
+            </a:r>
+            <a:r>
+              <a:rPr lang="fr-FR" sz="800" dirty="0" smtClean="0"/>
+              <a:t> / T</a:t>
+            </a:r>
+            <a:endParaRPr lang="fr-FR" sz="800" dirty="0" smtClean="0"/>
+          </a:p>
+        </p:txBody>
+      </p:sp>
+      <p:sp>
+        <p:nvSpPr>
+          <p:cNvPr id="23" name="ZoneTexte 22"/>
+          <p:cNvSpPr txBox="1"/>
+          <p:nvPr/>
+        </p:nvSpPr>
+        <p:spPr>
+          <a:xfrm>
+            <a:off x="3697772" y="4154960"/>
+            <a:ext cx="728084" cy="215444"/>
+          </a:xfrm>
+          <a:prstGeom prst="rect">
+            <a:avLst/>
+          </a:prstGeom>
+          <a:noFill/>
+        </p:spPr>
+        <p:txBody>
+          <a:bodyPr wrap="none" rtlCol="0">
+            <a:spAutoFit/>
+          </a:bodyPr>
+          <a:lstStyle/>
+          <a:p>
+            <a:r>
+              <a:rPr lang="fr-FR" sz="800" u="sng" dirty="0" smtClean="0"/>
+              <a:t>:</a:t>
+            </a:r>
+            <a:r>
+              <a:rPr lang="fr-FR" sz="800" u="sng" dirty="0" err="1" smtClean="0"/>
+              <a:t>DepEffectué</a:t>
+            </a:r>
+            <a:endParaRPr lang="fr-FR" sz="800" u="sng" dirty="0" smtClean="0"/>
+          </a:p>
+        </p:txBody>
+      </p:sp>
+      <p:cxnSp>
+        <p:nvCxnSpPr>
+          <p:cNvPr id="25" name="Connecteur droit avec flèche 24"/>
+          <p:cNvCxnSpPr>
+            <a:stCxn id="21" idx="2"/>
+          </p:cNvCxnSpPr>
+          <p:nvPr/>
+        </p:nvCxnSpPr>
+        <p:spPr>
+          <a:xfrm>
+            <a:off x="3697837" y="4685985"/>
+            <a:ext cx="0" cy="687231"/>
+          </a:xfrm>
+          <a:prstGeom prst="straightConnector1">
+            <a:avLst/>
+          </a:prstGeom>
+          <a:ln>
+            <a:tailEnd type="arrow"/>
+          </a:ln>
+        </p:spPr>
+        <p:style>
+          <a:lnRef idx="1">
+            <a:schemeClr val="accent1"/>
+          </a:lnRef>
+          <a:fillRef idx="0">
+            <a:schemeClr val="accent1"/>
+          </a:fillRef>
+          <a:effectRef idx="0">
+            <a:schemeClr val="accent1"/>
+          </a:effectRef>
+          <a:fontRef idx="minor">
+            <a:schemeClr val="tx1"/>
+          </a:fontRef>
+        </p:style>
+      </p:cxnSp>
+      <p:sp>
+        <p:nvSpPr>
+          <p:cNvPr id="27" name="ZoneTexte 26"/>
+          <p:cNvSpPr txBox="1"/>
+          <p:nvPr/>
+        </p:nvSpPr>
+        <p:spPr>
+          <a:xfrm>
+            <a:off x="3708252" y="4866585"/>
+            <a:ext cx="769763" cy="338554"/>
+          </a:xfrm>
+          <a:prstGeom prst="rect">
+            <a:avLst/>
+          </a:prstGeom>
+          <a:noFill/>
+        </p:spPr>
+        <p:txBody>
+          <a:bodyPr wrap="none" rtlCol="0">
+            <a:spAutoFit/>
+          </a:bodyPr>
+          <a:lstStyle/>
+          <a:p>
+            <a:r>
+              <a:rPr lang="fr-FR" sz="800" u="sng" dirty="0" smtClean="0"/>
+              <a:t>:</a:t>
+            </a:r>
+            <a:r>
+              <a:rPr lang="fr-FR" sz="800" u="sng" dirty="0" smtClean="0"/>
+              <a:t>Déplacement</a:t>
+            </a:r>
+          </a:p>
+          <a:p>
+            <a:r>
+              <a:rPr lang="fr-FR" sz="800" u="sng" dirty="0" smtClean="0"/>
+              <a:t>:Vitesse</a:t>
+            </a:r>
+            <a:endParaRPr lang="fr-FR" sz="800" u="sng" dirty="0" smtClean="0"/>
+          </a:p>
+        </p:txBody>
+      </p:sp>
+      <p:sp>
+        <p:nvSpPr>
+          <p:cNvPr id="29" name="ZoneTexte 28"/>
+          <p:cNvSpPr txBox="1"/>
+          <p:nvPr/>
+        </p:nvSpPr>
+        <p:spPr>
+          <a:xfrm>
+            <a:off x="4845081" y="2506626"/>
+            <a:ext cx="979755" cy="338554"/>
+          </a:xfrm>
+          <a:prstGeom prst="rect">
+            <a:avLst/>
+          </a:prstGeom>
+          <a:noFill/>
+        </p:spPr>
+        <p:txBody>
+          <a:bodyPr wrap="none" rtlCol="0">
+            <a:spAutoFit/>
+          </a:bodyPr>
+          <a:lstStyle/>
+          <a:p>
+            <a:r>
+              <a:rPr lang="fr-FR" sz="800" u="sng" dirty="0" smtClean="0"/>
+              <a:t>:</a:t>
+            </a:r>
+            <a:r>
+              <a:rPr lang="fr-FR" sz="800" u="sng" dirty="0" smtClean="0"/>
+              <a:t>DepEffectué_N+1</a:t>
+            </a:r>
+            <a:endParaRPr lang="fr-FR" sz="800" u="sng" dirty="0" smtClean="0"/>
+          </a:p>
+          <a:p>
+            <a:r>
+              <a:rPr lang="fr-FR" sz="800" u="sng" dirty="0" smtClean="0"/>
+              <a:t>:</a:t>
+            </a:r>
+            <a:r>
+              <a:rPr lang="fr-FR" sz="800" u="sng" dirty="0" smtClean="0"/>
+              <a:t>DepPotentiel_N+1</a:t>
+            </a:r>
+            <a:endParaRPr lang="fr-FR" sz="800" u="sng" dirty="0" smtClean="0"/>
+          </a:p>
+        </p:txBody>
+      </p:sp>
+      <p:grpSp>
+        <p:nvGrpSpPr>
+          <p:cNvPr id="30" name="Groupe 29"/>
+          <p:cNvGrpSpPr/>
+          <p:nvPr/>
+        </p:nvGrpSpPr>
+        <p:grpSpPr>
+          <a:xfrm>
+            <a:off x="3319889" y="3360315"/>
+            <a:ext cx="755897" cy="694508"/>
+            <a:chOff x="3526844" y="2235578"/>
+            <a:chExt cx="755897" cy="694508"/>
+          </a:xfrm>
+        </p:grpSpPr>
+        <p:sp>
+          <p:nvSpPr>
+            <p:cNvPr id="31" name="Losange 30"/>
+            <p:cNvSpPr/>
+            <p:nvPr/>
+          </p:nvSpPr>
+          <p:spPr>
+            <a:xfrm>
+              <a:off x="3557762" y="2235578"/>
+              <a:ext cx="694060" cy="694508"/>
+            </a:xfrm>
+            <a:prstGeom prst="diamond">
+              <a:avLst/>
+            </a:prstGeom>
+          </p:spPr>
+          <p:style>
+            <a:lnRef idx="2">
+              <a:schemeClr val="accent5"/>
+            </a:lnRef>
+            <a:fillRef idx="1">
+              <a:schemeClr val="lt1"/>
+            </a:fillRef>
+            <a:effectRef idx="0">
+              <a:schemeClr val="accent5"/>
+            </a:effectRef>
+            <a:fontRef idx="minor">
+              <a:schemeClr val="dk1"/>
+            </a:fontRef>
+          </p:style>
+          <p:txBody>
+            <a:bodyPr wrap="square" rtlCol="0">
+              <a:spAutoFit/>
+            </a:bodyPr>
+            <a:lstStyle/>
+            <a:p>
+              <a:pPr algn="ctr"/>
+              <a:endParaRPr lang="fr-FR" sz="800">
+                <a:solidFill>
+                  <a:schemeClr val="dk1"/>
+                </a:solidFill>
+              </a:endParaRPr>
+            </a:p>
+          </p:txBody>
+        </p:sp>
+        <p:sp>
+          <p:nvSpPr>
+            <p:cNvPr id="32" name="ZoneTexte 31"/>
+            <p:cNvSpPr txBox="1"/>
+            <p:nvPr/>
+          </p:nvSpPr>
+          <p:spPr>
+            <a:xfrm>
+              <a:off x="3526844" y="2413555"/>
+              <a:ext cx="755897" cy="338554"/>
+            </a:xfrm>
+            <a:prstGeom prst="rect">
+              <a:avLst/>
+            </a:prstGeom>
+            <a:noFill/>
+          </p:spPr>
+          <p:txBody>
+            <a:bodyPr wrap="square" rtlCol="0">
+              <a:spAutoFit/>
+            </a:bodyPr>
+            <a:lstStyle/>
+            <a:p>
+              <a:pPr algn="ctr"/>
+              <a:r>
+                <a:rPr lang="fr-FR" sz="800" dirty="0" smtClean="0"/>
+                <a:t>:</a:t>
+              </a:r>
+              <a:r>
+                <a:rPr lang="fr-FR" sz="800" dirty="0" err="1"/>
+                <a:t>DepPotentiel</a:t>
+              </a:r>
+              <a:r>
+                <a:rPr lang="fr-FR" sz="800" dirty="0"/>
+                <a:t> </a:t>
+              </a:r>
+              <a:r>
+                <a:rPr lang="fr-FR" sz="800" dirty="0" smtClean="0"/>
+                <a:t>= </a:t>
+              </a:r>
+              <a:r>
+                <a:rPr lang="fr-FR" sz="800" dirty="0"/>
+                <a:t>0</a:t>
+              </a:r>
+            </a:p>
+          </p:txBody>
+        </p:sp>
+      </p:grpSp>
+    </p:spTree>
+    <p:extLst>
+      <p:ext uri="{BB962C8B-B14F-4D97-AF65-F5344CB8AC3E}">
+        <p14:creationId xmlns:p14="http://schemas.microsoft.com/office/powerpoint/2010/main" val="4203590144"/>
       </p:ext>
     </p:extLst>
   </p:cSld>

--- a/sources/gestion-contacts.pptx
+++ b/sources/gestion-contacts.pptx
@@ -289,7 +289,7 @@
           <a:p>
             <a:fld id="{B291CC90-6A5E-42A6-A85D-C053A89E9A68}" type="datetimeFigureOut">
               <a:rPr lang="fr-FR" smtClean="0"/>
-              <a:t>14/09/2018</a:t>
+              <a:t>09/08/2019</a:t>
             </a:fld>
             <a:endParaRPr lang="fr-FR"/>
           </a:p>
@@ -459,7 +459,7 @@
           <a:p>
             <a:fld id="{B291CC90-6A5E-42A6-A85D-C053A89E9A68}" type="datetimeFigureOut">
               <a:rPr lang="fr-FR" smtClean="0"/>
-              <a:t>14/09/2018</a:t>
+              <a:t>09/08/2019</a:t>
             </a:fld>
             <a:endParaRPr lang="fr-FR"/>
           </a:p>
@@ -639,7 +639,7 @@
           <a:p>
             <a:fld id="{B291CC90-6A5E-42A6-A85D-C053A89E9A68}" type="datetimeFigureOut">
               <a:rPr lang="fr-FR" smtClean="0"/>
-              <a:t>14/09/2018</a:t>
+              <a:t>09/08/2019</a:t>
             </a:fld>
             <a:endParaRPr lang="fr-FR"/>
           </a:p>
@@ -809,7 +809,7 @@
           <a:p>
             <a:fld id="{B291CC90-6A5E-42A6-A85D-C053A89E9A68}" type="datetimeFigureOut">
               <a:rPr lang="fr-FR" smtClean="0"/>
-              <a:t>14/09/2018</a:t>
+              <a:t>09/08/2019</a:t>
             </a:fld>
             <a:endParaRPr lang="fr-FR"/>
           </a:p>
@@ -1055,7 +1055,7 @@
           <a:p>
             <a:fld id="{B291CC90-6A5E-42A6-A85D-C053A89E9A68}" type="datetimeFigureOut">
               <a:rPr lang="fr-FR" smtClean="0"/>
-              <a:t>14/09/2018</a:t>
+              <a:t>09/08/2019</a:t>
             </a:fld>
             <a:endParaRPr lang="fr-FR"/>
           </a:p>
@@ -1343,7 +1343,7 @@
           <a:p>
             <a:fld id="{B291CC90-6A5E-42A6-A85D-C053A89E9A68}" type="datetimeFigureOut">
               <a:rPr lang="fr-FR" smtClean="0"/>
-              <a:t>14/09/2018</a:t>
+              <a:t>09/08/2019</a:t>
             </a:fld>
             <a:endParaRPr lang="fr-FR"/>
           </a:p>
@@ -1765,7 +1765,7 @@
           <a:p>
             <a:fld id="{B291CC90-6A5E-42A6-A85D-C053A89E9A68}" type="datetimeFigureOut">
               <a:rPr lang="fr-FR" smtClean="0"/>
-              <a:t>14/09/2018</a:t>
+              <a:t>09/08/2019</a:t>
             </a:fld>
             <a:endParaRPr lang="fr-FR"/>
           </a:p>
@@ -1883,7 +1883,7 @@
           <a:p>
             <a:fld id="{B291CC90-6A5E-42A6-A85D-C053A89E9A68}" type="datetimeFigureOut">
               <a:rPr lang="fr-FR" smtClean="0"/>
-              <a:t>14/09/2018</a:t>
+              <a:t>09/08/2019</a:t>
             </a:fld>
             <a:endParaRPr lang="fr-FR"/>
           </a:p>
@@ -1978,7 +1978,7 @@
           <a:p>
             <a:fld id="{B291CC90-6A5E-42A6-A85D-C053A89E9A68}" type="datetimeFigureOut">
               <a:rPr lang="fr-FR" smtClean="0"/>
-              <a:t>14/09/2018</a:t>
+              <a:t>09/08/2019</a:t>
             </a:fld>
             <a:endParaRPr lang="fr-FR"/>
           </a:p>
@@ -2255,7 +2255,7 @@
           <a:p>
             <a:fld id="{B291CC90-6A5E-42A6-A85D-C053A89E9A68}" type="datetimeFigureOut">
               <a:rPr lang="fr-FR" smtClean="0"/>
-              <a:t>14/09/2018</a:t>
+              <a:t>09/08/2019</a:t>
             </a:fld>
             <a:endParaRPr lang="fr-FR"/>
           </a:p>
@@ -2508,7 +2508,7 @@
           <a:p>
             <a:fld id="{B291CC90-6A5E-42A6-A85D-C053A89E9A68}" type="datetimeFigureOut">
               <a:rPr lang="fr-FR" smtClean="0"/>
-              <a:t>14/09/2018</a:t>
+              <a:t>09/08/2019</a:t>
             </a:fld>
             <a:endParaRPr lang="fr-FR"/>
           </a:p>
@@ -2721,7 +2721,7 @@
           <a:p>
             <a:fld id="{B291CC90-6A5E-42A6-A85D-C053A89E9A68}" type="datetimeFigureOut">
               <a:rPr lang="fr-FR" smtClean="0"/>
-              <a:t>14/09/2018</a:t>
+              <a:t>09/08/2019</a:t>
             </a:fld>
             <a:endParaRPr lang="fr-FR"/>
           </a:p>
@@ -3098,6 +3098,82 @@
       </p:grpSpPr>
       <p:sp>
         <p:nvSpPr>
+          <p:cNvPr id="5" name="Rectangle 4"/>
+          <p:cNvSpPr/>
+          <p:nvPr/>
+        </p:nvSpPr>
+        <p:spPr>
+          <a:xfrm>
+            <a:off x="4499992" y="1468328"/>
+            <a:ext cx="2304256" cy="1630807"/>
+          </a:xfrm>
+          <a:prstGeom prst="rect">
+            <a:avLst/>
+          </a:prstGeom>
+        </p:spPr>
+        <p:style>
+          <a:lnRef idx="2">
+            <a:schemeClr val="accent3"/>
+          </a:lnRef>
+          <a:fillRef idx="1">
+            <a:schemeClr val="lt1"/>
+          </a:fillRef>
+          <a:effectRef idx="0">
+            <a:schemeClr val="accent3"/>
+          </a:effectRef>
+          <a:fontRef idx="minor">
+            <a:schemeClr val="dk1"/>
+          </a:fontRef>
+        </p:style>
+        <p:txBody>
+          <a:bodyPr rtlCol="0" anchor="ctr"/>
+          <a:lstStyle/>
+          <a:p>
+            <a:pPr algn="ctr"/>
+            <a:endParaRPr lang="fr-FR"/>
+          </a:p>
+        </p:txBody>
+      </p:sp>
+      <p:sp>
+        <p:nvSpPr>
+          <p:cNvPr id="3" name="Rectangle 2"/>
+          <p:cNvSpPr/>
+          <p:nvPr/>
+        </p:nvSpPr>
+        <p:spPr>
+          <a:xfrm>
+            <a:off x="899592" y="1561483"/>
+            <a:ext cx="2262529" cy="1531611"/>
+          </a:xfrm>
+          <a:prstGeom prst="rect">
+            <a:avLst/>
+          </a:prstGeom>
+        </p:spPr>
+        <p:style>
+          <a:lnRef idx="2">
+            <a:schemeClr val="accent3"/>
+          </a:lnRef>
+          <a:fillRef idx="1">
+            <a:schemeClr val="lt1"/>
+          </a:fillRef>
+          <a:effectRef idx="0">
+            <a:schemeClr val="accent3"/>
+          </a:effectRef>
+          <a:fontRef idx="minor">
+            <a:schemeClr val="dk1"/>
+          </a:fontRef>
+        </p:style>
+        <p:txBody>
+          <a:bodyPr rtlCol="0" anchor="ctr"/>
+          <a:lstStyle/>
+          <a:p>
+            <a:pPr algn="ctr"/>
+            <a:endParaRPr lang="fr-FR"/>
+          </a:p>
+        </p:txBody>
+      </p:sp>
+      <p:sp>
+        <p:nvSpPr>
           <p:cNvPr id="10" name="ZoneTexte 9"/>
           <p:cNvSpPr txBox="1"/>
           <p:nvPr/>
@@ -4028,7 +4104,7 @@
         </p:nvSpPr>
         <p:spPr>
           <a:xfrm>
-            <a:off x="2673846" y="2668247"/>
+            <a:off x="2840834" y="2595548"/>
             <a:ext cx="768159" cy="215444"/>
           </a:xfrm>
           <a:prstGeom prst="rect">
@@ -4678,6 +4754,15 @@
           <a:prstGeom prst="rect">
             <a:avLst/>
           </a:prstGeom>
+          <a:ln>
+            <a:solidFill>
+              <a:schemeClr val="accent5">
+                <a:shade val="95000"/>
+                <a:satMod val="105000"/>
+              </a:schemeClr>
+            </a:solidFill>
+            <a:prstDash val="dash"/>
+          </a:ln>
         </p:spPr>
         <p:style>
           <a:lnRef idx="1">
@@ -4708,7 +4793,7 @@
           <a:p>
             <a:pPr algn="ctr"/>
             <a:r>
-              <a:rPr lang="fr-FR" u="none" dirty="0">
+              <a:rPr lang="fr-FR" i="1" u="none" dirty="0">
                 <a:solidFill>
                   <a:schemeClr val="tx1"/>
                 </a:solidFill>
@@ -4719,7 +4804,7 @@
           <a:p>
             <a:pPr algn="ctr"/>
             <a:r>
-              <a:rPr lang="fr-FR" u="none" dirty="0">
+              <a:rPr lang="fr-FR" i="1" u="none" dirty="0">
                 <a:solidFill>
                   <a:schemeClr val="tx1"/>
                 </a:solidFill>
@@ -4730,7 +4815,7 @@
           <a:p>
             <a:pPr algn="ctr"/>
             <a:r>
-              <a:rPr lang="fr-FR" u="none" dirty="0">
+              <a:rPr lang="fr-FR" i="1" u="none" dirty="0">
                 <a:solidFill>
                   <a:schemeClr val="tx1"/>
                 </a:solidFill>
@@ -4738,7 +4823,7 @@
               <a:t>Si </a:t>
             </a:r>
             <a:r>
-              <a:rPr lang="fr-FR" u="none" dirty="0" err="1">
+              <a:rPr lang="fr-FR" i="1" u="none" dirty="0" err="1">
                 <a:solidFill>
                   <a:schemeClr val="tx1"/>
                 </a:solidFill>
@@ -4746,7 +4831,7 @@
               <a:t>VitAvant</a:t>
             </a:r>
             <a:r>
-              <a:rPr lang="fr-FR" u="none" dirty="0">
+              <a:rPr lang="fr-FR" i="1" u="none" dirty="0">
                 <a:solidFill>
                   <a:schemeClr val="tx1"/>
                 </a:solidFill>
@@ -4819,6 +4904,67 @@
               <a:t>Pour chaque joueur</a:t>
             </a:r>
             <a:endParaRPr lang="fr-FR" dirty="0"/>
+          </a:p>
+        </p:txBody>
+      </p:sp>
+      <p:sp>
+        <p:nvSpPr>
+          <p:cNvPr id="4" name="ZoneTexte 3"/>
+          <p:cNvSpPr txBox="1"/>
+          <p:nvPr/>
+        </p:nvSpPr>
+        <p:spPr>
+          <a:xfrm>
+            <a:off x="899591" y="2883691"/>
+            <a:ext cx="2262529" cy="215444"/>
+          </a:xfrm>
+          <a:prstGeom prst="rect">
+            <a:avLst/>
+          </a:prstGeom>
+          <a:noFill/>
+        </p:spPr>
+        <p:txBody>
+          <a:bodyPr wrap="square" rtlCol="0">
+            <a:spAutoFit/>
+          </a:bodyPr>
+          <a:lstStyle/>
+          <a:p>
+            <a:r>
+              <a:rPr lang="fr-FR" sz="800" dirty="0" smtClean="0"/>
+              <a:t>Répertorie les trucs proches</a:t>
+            </a:r>
+            <a:endParaRPr lang="fr-FR" sz="800" dirty="0"/>
+          </a:p>
+        </p:txBody>
+      </p:sp>
+      <p:sp>
+        <p:nvSpPr>
+          <p:cNvPr id="6" name="ZoneTexte 5"/>
+          <p:cNvSpPr txBox="1"/>
+          <p:nvPr/>
+        </p:nvSpPr>
+        <p:spPr>
+          <a:xfrm>
+            <a:off x="4499992" y="2914469"/>
+            <a:ext cx="2304256" cy="215444"/>
+          </a:xfrm>
+          <a:prstGeom prst="rect">
+            <a:avLst/>
+          </a:prstGeom>
+          <a:noFill/>
+        </p:spPr>
+        <p:txBody>
+          <a:bodyPr wrap="square" rtlCol="0">
+            <a:spAutoFit/>
+          </a:bodyPr>
+          <a:lstStyle/>
+          <a:p>
+            <a:pPr algn="r"/>
+            <a:r>
+              <a:rPr lang="fr-FR" sz="800" dirty="0" smtClean="0"/>
+              <a:t>Calcule l’accélération cible</a:t>
+            </a:r>
+            <a:endParaRPr lang="fr-FR" sz="800" dirty="0"/>
           </a:p>
         </p:txBody>
       </p:sp>
@@ -5148,24 +5294,14 @@
           <a:p>
             <a:r>
               <a:rPr lang="fr-FR" sz="800" u="sng" dirty="0" smtClean="0"/>
-              <a:t>:</a:t>
-            </a:r>
+              <a:t>:DepEffectué_N+1</a:t>
+            </a:r>
+          </a:p>
+          <a:p>
             <a:r>
               <a:rPr lang="fr-FR" sz="800" u="sng" dirty="0" smtClean="0"/>
-              <a:t>DepEffectué_N+1</a:t>
-            </a:r>
-            <a:endParaRPr lang="fr-FR" sz="800" u="sng" dirty="0" smtClean="0"/>
-          </a:p>
-          <a:p>
-            <a:r>
-              <a:rPr lang="fr-FR" sz="800" u="sng" dirty="0" smtClean="0"/>
-              <a:t>:</a:t>
-            </a:r>
-            <a:r>
-              <a:rPr lang="fr-FR" sz="800" u="sng" dirty="0" smtClean="0"/>
-              <a:t>DepPotentiel_N+1</a:t>
-            </a:r>
-            <a:endParaRPr lang="fr-FR" sz="800" u="sng" dirty="0" smtClean="0"/>
+              <a:t>:DepPotentiel_N+1</a:t>
+            </a:r>
           </a:p>
         </p:txBody>
       </p:sp>
@@ -5372,7 +5508,6 @@
               <a:rPr lang="fr-FR" sz="800" dirty="0" smtClean="0"/>
               <a:t> / T</a:t>
             </a:r>
-            <a:endParaRPr lang="fr-FR" sz="800" dirty="0" smtClean="0"/>
           </a:p>
         </p:txBody>
       </p:sp>
@@ -5469,11 +5604,7 @@
           <a:p>
             <a:r>
               <a:rPr lang="fr-FR" sz="800" u="sng" dirty="0" smtClean="0"/>
-              <a:t>:</a:t>
-            </a:r>
-            <a:r>
-              <a:rPr lang="fr-FR" sz="800" u="sng" dirty="0" smtClean="0"/>
-              <a:t>Déplacement</a:t>
+              <a:t>:Déplacement</a:t>
             </a:r>
           </a:p>
           <a:p>
@@ -5481,7 +5612,6 @@
               <a:rPr lang="fr-FR" sz="800" u="sng" dirty="0" smtClean="0"/>
               <a:t>:Vitesse</a:t>
             </a:r>
-            <a:endParaRPr lang="fr-FR" sz="800" u="sng" dirty="0" smtClean="0"/>
           </a:p>
         </p:txBody>
       </p:sp>
@@ -5509,24 +5639,14 @@
           <a:p>
             <a:r>
               <a:rPr lang="fr-FR" sz="800" u="sng" dirty="0" smtClean="0"/>
-              <a:t>:</a:t>
-            </a:r>
+              <a:t>:DepEffectué_N+1</a:t>
+            </a:r>
+          </a:p>
+          <a:p>
             <a:r>
               <a:rPr lang="fr-FR" sz="800" u="sng" dirty="0" smtClean="0"/>
-              <a:t>DepEffectué_N+1</a:t>
-            </a:r>
-            <a:endParaRPr lang="fr-FR" sz="800" u="sng" dirty="0" smtClean="0"/>
-          </a:p>
-          <a:p>
-            <a:r>
-              <a:rPr lang="fr-FR" sz="800" u="sng" dirty="0" smtClean="0"/>
-              <a:t>:</a:t>
-            </a:r>
-            <a:r>
-              <a:rPr lang="fr-FR" sz="800" u="sng" dirty="0" smtClean="0"/>
-              <a:t>DepPotentiel_N+1</a:t>
-            </a:r>
-            <a:endParaRPr lang="fr-FR" sz="800" u="sng" dirty="0" smtClean="0"/>
+              <a:t>:DepPotentiel_N+1</a:t>
+            </a:r>
           </a:p>
         </p:txBody>
       </p:sp>
